--- a/prezentacii/IP-2.pptx
+++ b/prezentacii/IP-2.pptx
@@ -2095,7 +2095,7 @@
           </a:ln>
           <a:extLst>
             <a:ext uri="{C572A759-6A51-4108-AA02-DFA0A04FC94B}">
-              <ma14:wrappingTextBoxFlag xmlns="" xmlns:m="http://schemas.openxmlformats.org/officeDocument/2006/math" xmlns:a14="http://schemas.microsoft.com/office/drawing/2010/main" xmlns:ma14="http://schemas.microsoft.com/office/mac/drawingml/2011/main" val="1"/>
+              <ma14:wrappingTextBoxFlag xmlns:ma14="http://schemas.microsoft.com/office/mac/drawingml/2011/main" xmlns:a14="http://schemas.microsoft.com/office/drawing/2010/main" xmlns:m="http://schemas.openxmlformats.org/officeDocument/2006/math" xmlns="" val="1"/>
             </a:ext>
           </a:extLst>
         </p:spPr>
@@ -2134,7 +2134,7 @@
           </a:ln>
           <a:extLst>
             <a:ext uri="{C572A759-6A51-4108-AA02-DFA0A04FC94B}">
-              <ma14:wrappingTextBoxFlag xmlns="" xmlns:m="http://schemas.openxmlformats.org/officeDocument/2006/math" xmlns:a14="http://schemas.microsoft.com/office/drawing/2010/main" xmlns:ma14="http://schemas.microsoft.com/office/mac/drawingml/2011/main" val="1"/>
+              <ma14:wrappingTextBoxFlag xmlns:ma14="http://schemas.microsoft.com/office/mac/drawingml/2011/main" xmlns:a14="http://schemas.microsoft.com/office/drawing/2010/main" xmlns:m="http://schemas.openxmlformats.org/officeDocument/2006/math" xmlns="" val="1"/>
             </a:ext>
           </a:extLst>
         </p:spPr>
@@ -3325,6 +3325,10 @@
           </p:nvPr>
         </p:nvSpPr>
         <p:spPr>
+          <a:xfrm>
+            <a:off x="952500" y="1729567"/>
+            <a:ext cx="11099800" cy="6286500"/>
+          </a:xfrm>
           <a:prstGeom prst="rect">
             <a:avLst/>
           </a:prstGeom>
@@ -3340,7 +3344,324 @@
               <a:defRPr sz="3348"/>
             </a:pPr>
             <a:r>
-              <a:t>Трябва да се отбележи, че стойността по подразбиране се изчислява САМО веднъж. Това се забелязва, когато за стойността по подразбиране се използва променяем обект (mutable object) като списък (list), речник (dictionary), или инстанции на повечето класове. Например, функцията по-долу натрупва подадените аргументи при всяко извикване:</a:t>
+              <a:rPr dirty="0" err="1"/>
+              <a:t>Трябва</a:t>
+            </a:r>
+            <a:r>
+              <a:rPr dirty="0"/>
+              <a:t> </a:t>
+            </a:r>
+            <a:r>
+              <a:rPr dirty="0" err="1"/>
+              <a:t>да</a:t>
+            </a:r>
+            <a:r>
+              <a:rPr dirty="0"/>
+              <a:t> </a:t>
+            </a:r>
+            <a:r>
+              <a:rPr dirty="0" err="1"/>
+              <a:t>се</a:t>
+            </a:r>
+            <a:r>
+              <a:rPr dirty="0"/>
+              <a:t> </a:t>
+            </a:r>
+            <a:r>
+              <a:rPr dirty="0" err="1"/>
+              <a:t>отбележи</a:t>
+            </a:r>
+            <a:r>
+              <a:rPr dirty="0"/>
+              <a:t>, </a:t>
+            </a:r>
+            <a:r>
+              <a:rPr dirty="0" err="1"/>
+              <a:t>че</a:t>
+            </a:r>
+            <a:r>
+              <a:rPr dirty="0"/>
+              <a:t> </a:t>
+            </a:r>
+            <a:r>
+              <a:rPr dirty="0" err="1"/>
+              <a:t>стойността</a:t>
+            </a:r>
+            <a:r>
+              <a:rPr dirty="0"/>
+              <a:t> </a:t>
+            </a:r>
+            <a:r>
+              <a:rPr dirty="0" err="1"/>
+              <a:t>по</a:t>
+            </a:r>
+            <a:r>
+              <a:rPr dirty="0"/>
+              <a:t> </a:t>
+            </a:r>
+            <a:r>
+              <a:rPr dirty="0" err="1"/>
+              <a:t>подразбиране</a:t>
+            </a:r>
+            <a:r>
+              <a:rPr dirty="0"/>
+              <a:t> </a:t>
+            </a:r>
+            <a:r>
+              <a:rPr dirty="0" err="1"/>
+              <a:t>се</a:t>
+            </a:r>
+            <a:r>
+              <a:rPr dirty="0"/>
+              <a:t> </a:t>
+            </a:r>
+            <a:r>
+              <a:rPr dirty="0" err="1"/>
+              <a:t>изчислява</a:t>
+            </a:r>
+            <a:r>
+              <a:rPr dirty="0"/>
+              <a:t> САМО </a:t>
+            </a:r>
+            <a:r>
+              <a:rPr dirty="0" err="1"/>
+              <a:t>веднъж</a:t>
+            </a:r>
+            <a:r>
+              <a:rPr dirty="0"/>
+              <a:t>. </a:t>
+            </a:r>
+            <a:r>
+              <a:rPr dirty="0" err="1"/>
+              <a:t>Това</a:t>
+            </a:r>
+            <a:r>
+              <a:rPr dirty="0"/>
+              <a:t> </a:t>
+            </a:r>
+            <a:r>
+              <a:rPr dirty="0" err="1"/>
+              <a:t>се</a:t>
+            </a:r>
+            <a:r>
+              <a:rPr dirty="0"/>
+              <a:t> </a:t>
+            </a:r>
+            <a:r>
+              <a:rPr dirty="0" err="1"/>
+              <a:t>забелязва</a:t>
+            </a:r>
+            <a:r>
+              <a:rPr dirty="0"/>
+              <a:t>, </a:t>
+            </a:r>
+            <a:r>
+              <a:rPr dirty="0" err="1"/>
+              <a:t>когато</a:t>
+            </a:r>
+            <a:r>
+              <a:rPr dirty="0"/>
+              <a:t> </a:t>
+            </a:r>
+            <a:r>
+              <a:rPr dirty="0" err="1"/>
+              <a:t>за</a:t>
+            </a:r>
+            <a:r>
+              <a:rPr dirty="0"/>
+              <a:t> </a:t>
+            </a:r>
+            <a:r>
+              <a:rPr dirty="0" err="1"/>
+              <a:t>стойността</a:t>
+            </a:r>
+            <a:r>
+              <a:rPr dirty="0"/>
+              <a:t> </a:t>
+            </a:r>
+            <a:r>
+              <a:rPr dirty="0" err="1"/>
+              <a:t>по</a:t>
+            </a:r>
+            <a:r>
+              <a:rPr dirty="0"/>
+              <a:t> </a:t>
+            </a:r>
+            <a:r>
+              <a:rPr dirty="0" err="1"/>
+              <a:t>подразбиране</a:t>
+            </a:r>
+            <a:r>
+              <a:rPr dirty="0"/>
+              <a:t> </a:t>
+            </a:r>
+            <a:r>
+              <a:rPr dirty="0" err="1"/>
+              <a:t>се</a:t>
+            </a:r>
+            <a:r>
+              <a:rPr dirty="0"/>
+              <a:t> </a:t>
+            </a:r>
+            <a:r>
+              <a:rPr dirty="0" err="1"/>
+              <a:t>използва</a:t>
+            </a:r>
+            <a:r>
+              <a:rPr dirty="0"/>
+              <a:t> </a:t>
+            </a:r>
+            <a:r>
+              <a:rPr dirty="0" err="1"/>
+              <a:t>променяем</a:t>
+            </a:r>
+            <a:r>
+              <a:rPr dirty="0"/>
+              <a:t> </a:t>
+            </a:r>
+            <a:r>
+              <a:rPr dirty="0" err="1"/>
+              <a:t>обект</a:t>
+            </a:r>
+            <a:r>
+              <a:rPr dirty="0"/>
+              <a:t> (mutable object) </a:t>
+            </a:r>
+            <a:r>
+              <a:rPr dirty="0" err="1"/>
+              <a:t>като</a:t>
+            </a:r>
+            <a:r>
+              <a:rPr dirty="0"/>
+              <a:t> </a:t>
+            </a:r>
+            <a:r>
+              <a:rPr dirty="0" err="1"/>
+              <a:t>списък</a:t>
+            </a:r>
+            <a:r>
+              <a:rPr dirty="0"/>
+              <a:t> (list), </a:t>
+            </a:r>
+            <a:r>
+              <a:rPr dirty="0" err="1"/>
+              <a:t>речник</a:t>
+            </a:r>
+            <a:r>
+              <a:rPr dirty="0"/>
+              <a:t> (dictionary), </a:t>
+            </a:r>
+            <a:r>
+              <a:rPr dirty="0" err="1"/>
+              <a:t>или</a:t>
+            </a:r>
+            <a:r>
+              <a:rPr dirty="0"/>
+              <a:t> </a:t>
+            </a:r>
+            <a:r>
+              <a:rPr dirty="0" err="1"/>
+              <a:t>инстанции</a:t>
+            </a:r>
+            <a:r>
+              <a:rPr dirty="0"/>
+              <a:t> </a:t>
+            </a:r>
+            <a:r>
+              <a:rPr dirty="0" err="1"/>
+              <a:t>на</a:t>
+            </a:r>
+            <a:r>
+              <a:rPr dirty="0"/>
+              <a:t> </a:t>
+            </a:r>
+            <a:r>
+              <a:rPr dirty="0" err="1"/>
+              <a:t>повечето</a:t>
+            </a:r>
+            <a:r>
+              <a:rPr dirty="0"/>
+              <a:t> </a:t>
+            </a:r>
+            <a:r>
+              <a:rPr dirty="0" err="1"/>
+              <a:t>класове</a:t>
+            </a:r>
+            <a:r>
+              <a:rPr dirty="0"/>
+              <a:t>. </a:t>
+            </a:r>
+            <a:r>
+              <a:rPr dirty="0" err="1"/>
+              <a:t>Например</a:t>
+            </a:r>
+            <a:r>
+              <a:rPr dirty="0"/>
+              <a:t>, </a:t>
+            </a:r>
+            <a:r>
+              <a:rPr dirty="0" err="1"/>
+              <a:t>функцията</a:t>
+            </a:r>
+            <a:r>
+              <a:rPr dirty="0"/>
+              <a:t> </a:t>
+            </a:r>
+            <a:r>
+              <a:rPr dirty="0" err="1"/>
+              <a:t>по-долу</a:t>
+            </a:r>
+            <a:r>
+              <a:rPr dirty="0"/>
+              <a:t> </a:t>
+            </a:r>
+            <a:r>
+              <a:rPr dirty="0" err="1"/>
+              <a:t>натрупва</a:t>
+            </a:r>
+            <a:r>
+              <a:rPr dirty="0"/>
+              <a:t> </a:t>
+            </a:r>
+            <a:r>
+              <a:rPr dirty="0" err="1"/>
+              <a:t>подадените</a:t>
+            </a:r>
+            <a:r>
+              <a:rPr dirty="0"/>
+              <a:t> </a:t>
+            </a:r>
+            <a:r>
+              <a:rPr dirty="0" err="1"/>
+              <a:t>аргументи</a:t>
+            </a:r>
+            <a:r>
+              <a:rPr dirty="0"/>
+              <a:t> </a:t>
+            </a:r>
+            <a:r>
+              <a:rPr dirty="0" err="1"/>
+              <a:t>при</a:t>
+            </a:r>
+            <a:r>
+              <a:rPr dirty="0"/>
+              <a:t> </a:t>
+            </a:r>
+            <a:r>
+              <a:rPr dirty="0" err="1"/>
+              <a:t>всяко</a:t>
+            </a:r>
+            <a:r>
+              <a:rPr dirty="0"/>
+              <a:t> </a:t>
+            </a:r>
+            <a:r>
+              <a:rPr dirty="0" err="1"/>
+              <a:t>извикване</a:t>
+            </a:r>
+            <a:r>
+              <a:rPr dirty="0"/>
+              <a:t>:</a:t>
             </a:r>
           </a:p>
           <a:p>
@@ -3350,7 +3671,7 @@
               </a:spcBef>
               <a:defRPr sz="3348"/>
             </a:pPr>
-            <a:endParaRPr/>
+            <a:endParaRPr dirty="0"/>
           </a:p>
         </p:txBody>
       </p:sp>
@@ -3370,7 +3691,7 @@
         </p:blipFill>
         <p:spPr>
           <a:xfrm>
-            <a:off x="4992949" y="6544726"/>
+            <a:off x="4895413" y="6313078"/>
             <a:ext cx="3414451" cy="3081875"/>
           </a:xfrm>
           <a:prstGeom prst="rect">
@@ -4949,7 +5270,404 @@
               <a:defRPr sz="3276"/>
             </a:pPr>
             <a:r>
-              <a:t>Допуска се маркирането на параметри само като позиционни. Това означава, че не е възможно предаване на параметри по име (ключова дума). Positional-only параметри се записват преди символа / (forward-slash). Той се използва за логическо разделяне на параметри, предавани само по позиция от останалите параметри. Ако няма символ / в дефиницията на функцията, то тогава няма positional-only параметри.</a:t>
+              <a:rPr dirty="0" err="1"/>
+              <a:t>Допуска</a:t>
+            </a:r>
+            <a:r>
+              <a:rPr dirty="0"/>
+              <a:t> </a:t>
+            </a:r>
+            <a:r>
+              <a:rPr dirty="0" err="1"/>
+              <a:t>се</a:t>
+            </a:r>
+            <a:r>
+              <a:rPr dirty="0"/>
+              <a:t> </a:t>
+            </a:r>
+            <a:r>
+              <a:rPr dirty="0" err="1"/>
+              <a:t>маркирането</a:t>
+            </a:r>
+            <a:r>
+              <a:rPr dirty="0"/>
+              <a:t> </a:t>
+            </a:r>
+            <a:r>
+              <a:rPr dirty="0" err="1"/>
+              <a:t>на</a:t>
+            </a:r>
+            <a:r>
+              <a:rPr dirty="0"/>
+              <a:t> </a:t>
+            </a:r>
+            <a:r>
+              <a:rPr dirty="0" err="1"/>
+              <a:t>параметри</a:t>
+            </a:r>
+            <a:r>
+              <a:rPr dirty="0"/>
+              <a:t> </a:t>
+            </a:r>
+            <a:r>
+              <a:rPr dirty="0" err="1"/>
+              <a:t>само</a:t>
+            </a:r>
+            <a:r>
+              <a:rPr dirty="0"/>
+              <a:t> </a:t>
+            </a:r>
+            <a:r>
+              <a:rPr dirty="0" err="1"/>
+              <a:t>като</a:t>
+            </a:r>
+            <a:r>
+              <a:rPr dirty="0"/>
+              <a:t> </a:t>
+            </a:r>
+            <a:r>
+              <a:rPr dirty="0" err="1"/>
+              <a:t>позиционни</a:t>
+            </a:r>
+            <a:r>
+              <a:rPr dirty="0"/>
+              <a:t>. </a:t>
+            </a:r>
+            <a:r>
+              <a:rPr dirty="0" err="1"/>
+              <a:t>Това</a:t>
+            </a:r>
+            <a:r>
+              <a:rPr dirty="0"/>
+              <a:t> </a:t>
+            </a:r>
+            <a:r>
+              <a:rPr dirty="0" err="1"/>
+              <a:t>означава</a:t>
+            </a:r>
+            <a:r>
+              <a:rPr dirty="0"/>
+              <a:t>, </a:t>
+            </a:r>
+            <a:r>
+              <a:rPr dirty="0" err="1"/>
+              <a:t>че</a:t>
+            </a:r>
+            <a:r>
+              <a:rPr dirty="0"/>
+              <a:t> </a:t>
+            </a:r>
+            <a:r>
+              <a:rPr dirty="0" err="1"/>
+              <a:t>не</a:t>
+            </a:r>
+            <a:r>
+              <a:rPr dirty="0"/>
+              <a:t> е </a:t>
+            </a:r>
+            <a:r>
+              <a:rPr dirty="0" err="1"/>
+              <a:t>възможно</a:t>
+            </a:r>
+            <a:r>
+              <a:rPr dirty="0"/>
+              <a:t> </a:t>
+            </a:r>
+            <a:r>
+              <a:rPr dirty="0" err="1"/>
+              <a:t>предаване</a:t>
+            </a:r>
+            <a:r>
+              <a:rPr dirty="0"/>
+              <a:t> </a:t>
+            </a:r>
+            <a:r>
+              <a:rPr dirty="0" err="1"/>
+              <a:t>на</a:t>
+            </a:r>
+            <a:r>
+              <a:rPr dirty="0"/>
+              <a:t> </a:t>
+            </a:r>
+            <a:r>
+              <a:rPr dirty="0" err="1"/>
+              <a:t>параметри</a:t>
+            </a:r>
+            <a:r>
+              <a:rPr dirty="0"/>
+              <a:t> </a:t>
+            </a:r>
+            <a:r>
+              <a:rPr dirty="0" err="1"/>
+              <a:t>по</a:t>
+            </a:r>
+            <a:r>
+              <a:rPr dirty="0"/>
+              <a:t> </a:t>
+            </a:r>
+            <a:r>
+              <a:rPr dirty="0" err="1"/>
+              <a:t>име</a:t>
+            </a:r>
+            <a:r>
+              <a:rPr dirty="0"/>
+              <a:t> (</a:t>
+            </a:r>
+            <a:r>
+              <a:rPr dirty="0" err="1"/>
+              <a:t>ключова</a:t>
+            </a:r>
+            <a:r>
+              <a:rPr dirty="0"/>
+              <a:t> </a:t>
+            </a:r>
+            <a:r>
+              <a:rPr dirty="0" err="1"/>
+              <a:t>дума</a:t>
+            </a:r>
+            <a:r>
+              <a:rPr dirty="0"/>
+              <a:t>). Positional-only </a:t>
+            </a:r>
+            <a:r>
+              <a:rPr dirty="0" err="1"/>
+              <a:t>параметри</a:t>
+            </a:r>
+            <a:r>
+              <a:rPr dirty="0"/>
+              <a:t> </a:t>
+            </a:r>
+            <a:r>
+              <a:rPr dirty="0" err="1"/>
+              <a:t>се</a:t>
+            </a:r>
+            <a:r>
+              <a:rPr dirty="0"/>
+              <a:t> </a:t>
+            </a:r>
+            <a:r>
+              <a:rPr dirty="0" err="1"/>
+              <a:t>записват</a:t>
+            </a:r>
+            <a:r>
+              <a:rPr dirty="0"/>
+              <a:t> </a:t>
+            </a:r>
+            <a:r>
+              <a:rPr dirty="0" err="1"/>
+              <a:t>преди</a:t>
+            </a:r>
+            <a:r>
+              <a:rPr dirty="0"/>
+              <a:t> </a:t>
+            </a:r>
+            <a:r>
+              <a:rPr dirty="0" err="1"/>
+              <a:t>символа</a:t>
+            </a:r>
+            <a:r>
+              <a:rPr dirty="0"/>
+              <a:t> / (forward-slash). </a:t>
+            </a:r>
+            <a:r>
+              <a:rPr dirty="0" err="1"/>
+              <a:t>Той</a:t>
+            </a:r>
+            <a:r>
+              <a:rPr dirty="0"/>
+              <a:t> </a:t>
+            </a:r>
+            <a:r>
+              <a:rPr dirty="0" err="1"/>
+              <a:t>се</a:t>
+            </a:r>
+            <a:r>
+              <a:rPr dirty="0"/>
+              <a:t> </a:t>
+            </a:r>
+            <a:r>
+              <a:rPr dirty="0" err="1"/>
+              <a:t>използва</a:t>
+            </a:r>
+            <a:r>
+              <a:rPr dirty="0"/>
+              <a:t> </a:t>
+            </a:r>
+            <a:r>
+              <a:rPr dirty="0" err="1"/>
+              <a:t>за</a:t>
+            </a:r>
+            <a:r>
+              <a:rPr dirty="0"/>
+              <a:t> </a:t>
+            </a:r>
+            <a:r>
+              <a:rPr dirty="0" err="1"/>
+              <a:t>логическо</a:t>
+            </a:r>
+            <a:r>
+              <a:rPr dirty="0"/>
+              <a:t> </a:t>
+            </a:r>
+            <a:r>
+              <a:rPr dirty="0" err="1"/>
+              <a:t>разделяне</a:t>
+            </a:r>
+            <a:r>
+              <a:rPr dirty="0"/>
+              <a:t> </a:t>
+            </a:r>
+            <a:r>
+              <a:rPr dirty="0" err="1"/>
+              <a:t>на</a:t>
+            </a:r>
+            <a:r>
+              <a:rPr dirty="0"/>
+              <a:t> </a:t>
+            </a:r>
+            <a:r>
+              <a:rPr dirty="0" err="1"/>
+              <a:t>параметри</a:t>
+            </a:r>
+            <a:r>
+              <a:rPr dirty="0"/>
+              <a:t>, </a:t>
+            </a:r>
+            <a:r>
+              <a:rPr dirty="0" err="1"/>
+              <a:t>предавани</a:t>
+            </a:r>
+            <a:r>
+              <a:rPr dirty="0"/>
+              <a:t> </a:t>
+            </a:r>
+            <a:r>
+              <a:rPr dirty="0" err="1"/>
+              <a:t>само</a:t>
+            </a:r>
+            <a:r>
+              <a:rPr dirty="0"/>
+              <a:t> </a:t>
+            </a:r>
+            <a:r>
+              <a:rPr dirty="0" err="1"/>
+              <a:t>по</a:t>
+            </a:r>
+            <a:r>
+              <a:rPr dirty="0"/>
+              <a:t> </a:t>
+            </a:r>
+            <a:r>
+              <a:rPr dirty="0" err="1"/>
+              <a:t>позиция</a:t>
+            </a:r>
+            <a:r>
+              <a:rPr dirty="0"/>
+              <a:t> </a:t>
+            </a:r>
+            <a:r>
+              <a:rPr dirty="0" err="1"/>
+              <a:t>от</a:t>
+            </a:r>
+            <a:r>
+              <a:rPr dirty="0"/>
+              <a:t> </a:t>
+            </a:r>
+            <a:r>
+              <a:rPr dirty="0" err="1"/>
+              <a:t>останалите</a:t>
+            </a:r>
+            <a:r>
+              <a:rPr dirty="0"/>
+              <a:t> </a:t>
+            </a:r>
+            <a:r>
+              <a:rPr dirty="0" err="1"/>
+              <a:t>параметри</a:t>
+            </a:r>
+            <a:r>
+              <a:rPr dirty="0"/>
+              <a:t>. </a:t>
+            </a:r>
+            <a:r>
+              <a:rPr dirty="0" err="1"/>
+              <a:t>Ако</a:t>
+            </a:r>
+            <a:r>
+              <a:rPr dirty="0"/>
+              <a:t> </a:t>
+            </a:r>
+            <a:r>
+              <a:rPr dirty="0" err="1"/>
+              <a:t>няма</a:t>
+            </a:r>
+            <a:r>
+              <a:rPr dirty="0"/>
+              <a:t> </a:t>
+            </a:r>
+            <a:r>
+              <a:rPr dirty="0" err="1"/>
+              <a:t>символ</a:t>
+            </a:r>
+            <a:r>
+              <a:rPr dirty="0"/>
+              <a:t> / в </a:t>
+            </a:r>
+            <a:r>
+              <a:rPr dirty="0" err="1"/>
+              <a:t>дефиницията</a:t>
+            </a:r>
+            <a:r>
+              <a:rPr dirty="0"/>
+              <a:t> </a:t>
+            </a:r>
+            <a:r>
+              <a:rPr dirty="0" err="1"/>
+              <a:t>на</a:t>
+            </a:r>
+            <a:r>
+              <a:rPr dirty="0"/>
+              <a:t> </a:t>
+            </a:r>
+            <a:r>
+              <a:rPr dirty="0" err="1"/>
+              <a:t>функцията</a:t>
+            </a:r>
+            <a:r>
+              <a:rPr dirty="0"/>
+              <a:t>, </a:t>
+            </a:r>
+            <a:r>
+              <a:rPr dirty="0" err="1"/>
+              <a:t>то</a:t>
+            </a:r>
+            <a:r>
+              <a:rPr dirty="0"/>
+              <a:t> </a:t>
+            </a:r>
+            <a:r>
+              <a:rPr dirty="0" err="1"/>
+              <a:t>тогава</a:t>
+            </a:r>
+            <a:r>
+              <a:rPr dirty="0"/>
+              <a:t> </a:t>
+            </a:r>
+            <a:r>
+              <a:rPr dirty="0" err="1"/>
+              <a:t>няма</a:t>
+            </a:r>
+            <a:r>
+              <a:rPr dirty="0"/>
+              <a:t> positional-only </a:t>
+            </a:r>
+            <a:r>
+              <a:rPr dirty="0" err="1"/>
+              <a:t>параметри</a:t>
+            </a:r>
+            <a:r>
+              <a:rPr dirty="0"/>
+              <a:t>.</a:t>
             </a:r>
           </a:p>
           <a:p>
@@ -4960,7 +5678,68 @@
               <a:defRPr sz="3276"/>
             </a:pPr>
             <a:r>
-              <a:t>Параметрите, намиращи се след / могат да бъдат positional-or-keyword или keyword-only.</a:t>
+              <a:rPr dirty="0" err="1"/>
+              <a:t>Параметрите</a:t>
+            </a:r>
+            <a:r>
+              <a:rPr dirty="0"/>
+              <a:t>, </a:t>
+            </a:r>
+            <a:r>
+              <a:rPr dirty="0" err="1"/>
+              <a:t>намиращи</a:t>
+            </a:r>
+            <a:r>
+              <a:rPr dirty="0"/>
+              <a:t> </a:t>
+            </a:r>
+            <a:r>
+              <a:rPr dirty="0" err="1"/>
+              <a:t>се</a:t>
+            </a:r>
+            <a:r>
+              <a:rPr dirty="0"/>
+              <a:t> </a:t>
+            </a:r>
+            <a:r>
+              <a:rPr dirty="0" err="1"/>
+              <a:t>след</a:t>
+            </a:r>
+            <a:r>
+              <a:rPr dirty="0"/>
+              <a:t> / </a:t>
+            </a:r>
+            <a:r>
+              <a:rPr dirty="0" err="1"/>
+              <a:t>могат</a:t>
+            </a:r>
+            <a:r>
+              <a:rPr dirty="0"/>
+              <a:t> </a:t>
+            </a:r>
+            <a:r>
+              <a:rPr dirty="0" err="1"/>
+              <a:t>да</a:t>
+            </a:r>
+            <a:r>
+              <a:rPr dirty="0"/>
+              <a:t> </a:t>
+            </a:r>
+            <a:r>
+              <a:rPr dirty="0" err="1"/>
+              <a:t>бъдат</a:t>
+            </a:r>
+            <a:r>
+              <a:rPr dirty="0"/>
+              <a:t> positional-or-keyword </a:t>
+            </a:r>
+            <a:r>
+              <a:rPr dirty="0" err="1"/>
+              <a:t>или</a:t>
+            </a:r>
+            <a:r>
+              <a:rPr dirty="0"/>
+              <a:t> keyword-only.</a:t>
             </a:r>
           </a:p>
         </p:txBody>
@@ -5252,7 +6031,7 @@
         </p:blipFill>
         <p:spPr>
           <a:xfrm>
-            <a:off x="2768600" y="5422900"/>
+            <a:off x="2756408" y="6096000"/>
             <a:ext cx="7035800" cy="2794000"/>
           </a:xfrm>
           <a:prstGeom prst="rect">
@@ -5782,7 +6561,7 @@
         </p:blipFill>
         <p:spPr>
           <a:xfrm>
-            <a:off x="3213100" y="6413500"/>
+            <a:off x="3213100" y="7071868"/>
             <a:ext cx="6578600" cy="1498600"/>
           </a:xfrm>
           <a:prstGeom prst="rect">
@@ -6127,7 +6906,76 @@
               <a:defRPr sz="2304"/>
             </a:pPr>
             <a:r>
-              <a:t>Ето пълната възможност за дефиниране на всички видове параметри:</a:t>
+              <a:rPr dirty="0" err="1"/>
+              <a:t>Ето</a:t>
+            </a:r>
+            <a:r>
+              <a:rPr dirty="0"/>
+              <a:t> </a:t>
+            </a:r>
+            <a:r>
+              <a:rPr dirty="0" err="1"/>
+              <a:t>пълната</a:t>
+            </a:r>
+            <a:r>
+              <a:rPr dirty="0"/>
+              <a:t> </a:t>
+            </a:r>
+            <a:r>
+              <a:rPr dirty="0" err="1"/>
+              <a:t>възможност</a:t>
+            </a:r>
+            <a:r>
+              <a:rPr dirty="0"/>
+              <a:t> </a:t>
+            </a:r>
+            <a:r>
+              <a:rPr dirty="0" err="1"/>
+              <a:t>за</a:t>
+            </a:r>
+            <a:r>
+              <a:rPr dirty="0"/>
+              <a:t> </a:t>
+            </a:r>
+            <a:r>
+              <a:rPr dirty="0" err="1"/>
+              <a:t>дефиниране</a:t>
+            </a:r>
+            <a:r>
+              <a:rPr dirty="0"/>
+              <a:t> </a:t>
+            </a:r>
+            <a:r>
+              <a:rPr dirty="0" err="1"/>
+              <a:t>на</a:t>
+            </a:r>
+            <a:r>
+              <a:rPr dirty="0"/>
+              <a:t> </a:t>
+            </a:r>
+            <a:r>
+              <a:rPr dirty="0" err="1"/>
+              <a:t>всички</a:t>
+            </a:r>
+            <a:r>
+              <a:rPr dirty="0"/>
+              <a:t> </a:t>
+            </a:r>
+            <a:r>
+              <a:rPr dirty="0" err="1"/>
+              <a:t>видове</a:t>
+            </a:r>
+            <a:r>
+              <a:rPr dirty="0"/>
+              <a:t> </a:t>
+            </a:r>
+            <a:r>
+              <a:rPr dirty="0" err="1"/>
+              <a:t>параметри</a:t>
+            </a:r>
+            <a:r>
+              <a:rPr dirty="0"/>
+              <a:t>:</a:t>
             </a:r>
           </a:p>
           <a:p>
@@ -6137,7 +6985,7 @@
               </a:spcBef>
               <a:defRPr sz="2304"/>
             </a:pPr>
-            <a:endParaRPr/>
+            <a:endParaRPr dirty="0"/>
           </a:p>
           <a:p>
             <a:pPr marL="568959" lvl="1" indent="-284479" defTabSz="373887">
@@ -6147,7 +6995,232 @@
               <a:defRPr sz="2304"/>
             </a:pPr>
             <a:r>
-              <a:t>positional-only аргумент се използва, когато името на параметъра не трябва да е достъпно за потребителя. Полезно е, когато името няма особен смисъл или когато желаем да се въвеждат параметрите в определен ред.</a:t>
+              <a:rPr dirty="0"/>
+              <a:t>positional-only </a:t>
+            </a:r>
+            <a:r>
+              <a:rPr dirty="0" err="1"/>
+              <a:t>аргумент</a:t>
+            </a:r>
+            <a:r>
+              <a:rPr dirty="0"/>
+              <a:t> </a:t>
+            </a:r>
+            <a:r>
+              <a:rPr dirty="0" err="1"/>
+              <a:t>се</a:t>
+            </a:r>
+            <a:r>
+              <a:rPr dirty="0"/>
+              <a:t> </a:t>
+            </a:r>
+            <a:r>
+              <a:rPr dirty="0" err="1"/>
+              <a:t>използва</a:t>
+            </a:r>
+            <a:r>
+              <a:rPr dirty="0"/>
+              <a:t>, </a:t>
+            </a:r>
+            <a:r>
+              <a:rPr dirty="0" err="1"/>
+              <a:t>когато</a:t>
+            </a:r>
+            <a:r>
+              <a:rPr dirty="0"/>
+              <a:t> </a:t>
+            </a:r>
+            <a:r>
+              <a:rPr dirty="0" err="1"/>
+              <a:t>името</a:t>
+            </a:r>
+            <a:r>
+              <a:rPr dirty="0"/>
+              <a:t> </a:t>
+            </a:r>
+            <a:r>
+              <a:rPr dirty="0" err="1"/>
+              <a:t>на</a:t>
+            </a:r>
+            <a:r>
+              <a:rPr dirty="0"/>
+              <a:t> </a:t>
+            </a:r>
+            <a:r>
+              <a:rPr dirty="0" err="1"/>
+              <a:t>параметъра</a:t>
+            </a:r>
+            <a:r>
+              <a:rPr dirty="0"/>
+              <a:t> </a:t>
+            </a:r>
+            <a:r>
+              <a:rPr dirty="0" err="1"/>
+              <a:t>не</a:t>
+            </a:r>
+            <a:r>
+              <a:rPr dirty="0"/>
+              <a:t> </a:t>
+            </a:r>
+            <a:r>
+              <a:rPr dirty="0" err="1"/>
+              <a:t>трябва</a:t>
+            </a:r>
+            <a:r>
+              <a:rPr dirty="0"/>
+              <a:t> </a:t>
+            </a:r>
+            <a:r>
+              <a:rPr dirty="0" err="1"/>
+              <a:t>да</a:t>
+            </a:r>
+            <a:r>
+              <a:rPr dirty="0"/>
+              <a:t> е </a:t>
+            </a:r>
+            <a:r>
+              <a:rPr dirty="0" err="1"/>
+              <a:t>достъпно</a:t>
+            </a:r>
+            <a:r>
+              <a:rPr dirty="0"/>
+              <a:t> </a:t>
+            </a:r>
+            <a:r>
+              <a:rPr dirty="0" err="1"/>
+              <a:t>за</a:t>
+            </a:r>
+            <a:r>
+              <a:rPr dirty="0"/>
+              <a:t> </a:t>
+            </a:r>
+            <a:r>
+              <a:rPr dirty="0" err="1"/>
+              <a:t>потребителя</a:t>
+            </a:r>
+            <a:r>
+              <a:rPr dirty="0"/>
+              <a:t>. </a:t>
+            </a:r>
+            <a:r>
+              <a:rPr dirty="0" err="1"/>
+              <a:t>Полезно</a:t>
+            </a:r>
+            <a:r>
+              <a:rPr dirty="0"/>
+              <a:t> е, </a:t>
+            </a:r>
+            <a:r>
+              <a:rPr dirty="0" err="1"/>
+              <a:t>когато</a:t>
+            </a:r>
+            <a:r>
+              <a:rPr dirty="0"/>
+              <a:t> </a:t>
+            </a:r>
+            <a:r>
+              <a:rPr dirty="0" err="1"/>
+              <a:t>името</a:t>
+            </a:r>
+            <a:r>
+              <a:rPr dirty="0"/>
+              <a:t> </a:t>
+            </a:r>
+            <a:r>
+              <a:rPr dirty="0" err="1"/>
+              <a:t>няма</a:t>
+            </a:r>
+            <a:r>
+              <a:rPr dirty="0"/>
+              <a:t> </a:t>
+            </a:r>
+            <a:r>
+              <a:rPr dirty="0" err="1"/>
+              <a:t>особен</a:t>
+            </a:r>
+            <a:r>
+              <a:rPr dirty="0"/>
+              <a:t> </a:t>
+            </a:r>
+            <a:r>
+              <a:rPr dirty="0" err="1"/>
+              <a:t>смисъл</a:t>
+            </a:r>
+            <a:r>
+              <a:rPr dirty="0"/>
+              <a:t> </a:t>
+            </a:r>
+            <a:r>
+              <a:rPr dirty="0" err="1"/>
+              <a:t>или</a:t>
+            </a:r>
+            <a:r>
+              <a:rPr dirty="0"/>
+              <a:t> </a:t>
+            </a:r>
+            <a:r>
+              <a:rPr dirty="0" err="1"/>
+              <a:t>когато</a:t>
+            </a:r>
+            <a:r>
+              <a:rPr dirty="0"/>
+              <a:t> </a:t>
+            </a:r>
+            <a:r>
+              <a:rPr dirty="0" err="1"/>
+              <a:t>желаем</a:t>
+            </a:r>
+            <a:r>
+              <a:rPr dirty="0"/>
+              <a:t> </a:t>
+            </a:r>
+            <a:r>
+              <a:rPr dirty="0" err="1"/>
+              <a:t>да</a:t>
+            </a:r>
+            <a:r>
+              <a:rPr dirty="0"/>
+              <a:t> </a:t>
+            </a:r>
+            <a:r>
+              <a:rPr dirty="0" err="1"/>
+              <a:t>се</a:t>
+            </a:r>
+            <a:r>
+              <a:rPr dirty="0"/>
+              <a:t> </a:t>
+            </a:r>
+            <a:r>
+              <a:rPr dirty="0" err="1"/>
+              <a:t>въвеждат</a:t>
+            </a:r>
+            <a:r>
+              <a:rPr dirty="0"/>
+              <a:t> </a:t>
+            </a:r>
+            <a:r>
+              <a:rPr dirty="0" err="1"/>
+              <a:t>параметрите</a:t>
+            </a:r>
+            <a:r>
+              <a:rPr dirty="0"/>
+              <a:t> в </a:t>
+            </a:r>
+            <a:r>
+              <a:rPr dirty="0" err="1"/>
+              <a:t>определен</a:t>
+            </a:r>
+            <a:r>
+              <a:rPr dirty="0"/>
+              <a:t> </a:t>
+            </a:r>
+            <a:r>
+              <a:rPr dirty="0" err="1"/>
+              <a:t>ред</a:t>
+            </a:r>
+            <a:r>
+              <a:rPr dirty="0"/>
+              <a:t>.</a:t>
             </a:r>
           </a:p>
           <a:p>
@@ -6158,7 +7231,312 @@
               <a:defRPr sz="2304"/>
             </a:pPr>
             <a:r>
-              <a:t>keyword-only аргумент се използва когато името има значение и дефиницията на функцията е много по-разбираема, ако се посочат явно имената на параметрите. Полезно е за предотратяване на грешки, напр. ако трябва да се въведен width и height и няма име, аргументите лесно могат да бъдат разместени.</a:t>
+              <a:rPr dirty="0"/>
+              <a:t>keyword-only </a:t>
+            </a:r>
+            <a:r>
+              <a:rPr dirty="0" err="1"/>
+              <a:t>аргумент</a:t>
+            </a:r>
+            <a:r>
+              <a:rPr dirty="0"/>
+              <a:t> </a:t>
+            </a:r>
+            <a:r>
+              <a:rPr dirty="0" err="1"/>
+              <a:t>се</a:t>
+            </a:r>
+            <a:r>
+              <a:rPr dirty="0"/>
+              <a:t> </a:t>
+            </a:r>
+            <a:r>
+              <a:rPr dirty="0" err="1"/>
+              <a:t>използва</a:t>
+            </a:r>
+            <a:r>
+              <a:rPr dirty="0"/>
+              <a:t> </a:t>
+            </a:r>
+            <a:r>
+              <a:rPr dirty="0" err="1"/>
+              <a:t>когато</a:t>
+            </a:r>
+            <a:r>
+              <a:rPr dirty="0"/>
+              <a:t> </a:t>
+            </a:r>
+            <a:r>
+              <a:rPr dirty="0" err="1"/>
+              <a:t>името</a:t>
+            </a:r>
+            <a:r>
+              <a:rPr dirty="0"/>
+              <a:t> </a:t>
+            </a:r>
+            <a:r>
+              <a:rPr dirty="0" err="1"/>
+              <a:t>има</a:t>
+            </a:r>
+            <a:r>
+              <a:rPr dirty="0"/>
+              <a:t> </a:t>
+            </a:r>
+            <a:r>
+              <a:rPr dirty="0" err="1"/>
+              <a:t>значение</a:t>
+            </a:r>
+            <a:r>
+              <a:rPr dirty="0"/>
+              <a:t> и </a:t>
+            </a:r>
+            <a:r>
+              <a:rPr dirty="0" err="1"/>
+              <a:t>дефиницията</a:t>
+            </a:r>
+            <a:r>
+              <a:rPr dirty="0"/>
+              <a:t> </a:t>
+            </a:r>
+            <a:r>
+              <a:rPr dirty="0" err="1"/>
+              <a:t>на</a:t>
+            </a:r>
+            <a:r>
+              <a:rPr dirty="0"/>
+              <a:t> </a:t>
+            </a:r>
+            <a:r>
+              <a:rPr dirty="0" err="1"/>
+              <a:t>функцията</a:t>
+            </a:r>
+            <a:r>
+              <a:rPr dirty="0"/>
+              <a:t> е </a:t>
+            </a:r>
+            <a:r>
+              <a:rPr dirty="0" err="1"/>
+              <a:t>много</a:t>
+            </a:r>
+            <a:r>
+              <a:rPr dirty="0"/>
+              <a:t> </a:t>
+            </a:r>
+            <a:r>
+              <a:rPr dirty="0" err="1"/>
+              <a:t>по-разбираема</a:t>
+            </a:r>
+            <a:r>
+              <a:rPr dirty="0"/>
+              <a:t>, </a:t>
+            </a:r>
+            <a:r>
+              <a:rPr dirty="0" err="1"/>
+              <a:t>ако</a:t>
+            </a:r>
+            <a:r>
+              <a:rPr dirty="0"/>
+              <a:t> </a:t>
+            </a:r>
+            <a:r>
+              <a:rPr dirty="0" err="1"/>
+              <a:t>се</a:t>
+            </a:r>
+            <a:r>
+              <a:rPr dirty="0"/>
+              <a:t> </a:t>
+            </a:r>
+            <a:r>
+              <a:rPr dirty="0" err="1"/>
+              <a:t>посочат</a:t>
+            </a:r>
+            <a:r>
+              <a:rPr dirty="0"/>
+              <a:t> </a:t>
+            </a:r>
+            <a:r>
+              <a:rPr dirty="0" err="1"/>
+              <a:t>явно</a:t>
+            </a:r>
+            <a:r>
+              <a:rPr dirty="0"/>
+              <a:t> </a:t>
+            </a:r>
+            <a:r>
+              <a:rPr dirty="0" err="1"/>
+              <a:t>имената</a:t>
+            </a:r>
+            <a:r>
+              <a:rPr dirty="0"/>
+              <a:t> </a:t>
+            </a:r>
+            <a:r>
+              <a:rPr dirty="0" err="1"/>
+              <a:t>на</a:t>
+            </a:r>
+            <a:r>
+              <a:rPr dirty="0"/>
+              <a:t> </a:t>
+            </a:r>
+            <a:r>
+              <a:rPr dirty="0" err="1"/>
+              <a:t>параметрите</a:t>
+            </a:r>
+            <a:r>
+              <a:rPr dirty="0"/>
+              <a:t>. </a:t>
+            </a:r>
+            <a:r>
+              <a:rPr dirty="0" err="1"/>
+              <a:t>Полезно</a:t>
+            </a:r>
+            <a:r>
+              <a:rPr dirty="0"/>
+              <a:t> е </a:t>
+            </a:r>
+            <a:r>
+              <a:rPr dirty="0" err="1"/>
+              <a:t>за</a:t>
+            </a:r>
+            <a:r>
+              <a:rPr dirty="0"/>
+              <a:t> </a:t>
+            </a:r>
+            <a:r>
+              <a:rPr dirty="0" err="1"/>
+              <a:t>предотратяване</a:t>
+            </a:r>
+            <a:r>
+              <a:rPr dirty="0"/>
+              <a:t> </a:t>
+            </a:r>
+            <a:r>
+              <a:rPr dirty="0" err="1"/>
+              <a:t>на</a:t>
+            </a:r>
+            <a:r>
+              <a:rPr dirty="0"/>
+              <a:t> </a:t>
+            </a:r>
+            <a:r>
+              <a:rPr dirty="0" err="1"/>
+              <a:t>грешки</a:t>
+            </a:r>
+            <a:r>
+              <a:rPr dirty="0"/>
+              <a:t>, </a:t>
+            </a:r>
+            <a:r>
+              <a:rPr dirty="0" err="1"/>
+              <a:t>напр</a:t>
+            </a:r>
+            <a:r>
+              <a:rPr dirty="0"/>
+              <a:t>. </a:t>
+            </a:r>
+            <a:r>
+              <a:rPr dirty="0" err="1"/>
+              <a:t>ако</a:t>
+            </a:r>
+            <a:r>
+              <a:rPr dirty="0"/>
+              <a:t> </a:t>
+            </a:r>
+            <a:r>
+              <a:rPr dirty="0" err="1"/>
+              <a:t>трябва</a:t>
+            </a:r>
+            <a:r>
+              <a:rPr dirty="0"/>
+              <a:t> </a:t>
+            </a:r>
+            <a:r>
+              <a:rPr dirty="0" err="1"/>
+              <a:t>да</a:t>
+            </a:r>
+            <a:r>
+              <a:rPr dirty="0"/>
+              <a:t> </a:t>
+            </a:r>
+            <a:r>
+              <a:rPr dirty="0" err="1"/>
+              <a:t>се</a:t>
+            </a:r>
+            <a:r>
+              <a:rPr dirty="0"/>
+              <a:t> </a:t>
+            </a:r>
+            <a:r>
+              <a:rPr dirty="0" err="1"/>
+              <a:t>въведен</a:t>
+            </a:r>
+            <a:r>
+              <a:rPr dirty="0"/>
+              <a:t> width и height и </a:t>
+            </a:r>
+            <a:r>
+              <a:rPr dirty="0" err="1"/>
+              <a:t>няма</a:t>
+            </a:r>
+            <a:r>
+              <a:rPr dirty="0"/>
+              <a:t> </a:t>
+            </a:r>
+            <a:r>
+              <a:rPr dirty="0" err="1"/>
+              <a:t>име</a:t>
+            </a:r>
+            <a:r>
+              <a:rPr dirty="0"/>
+              <a:t>, </a:t>
+            </a:r>
+            <a:r>
+              <a:rPr dirty="0" err="1"/>
+              <a:t>аргументите</a:t>
+            </a:r>
+            <a:r>
+              <a:rPr dirty="0"/>
+              <a:t> </a:t>
+            </a:r>
+            <a:r>
+              <a:rPr dirty="0" err="1"/>
+              <a:t>лесно</a:t>
+            </a:r>
+            <a:r>
+              <a:rPr dirty="0"/>
+              <a:t> </a:t>
+            </a:r>
+            <a:r>
+              <a:rPr dirty="0" err="1"/>
+              <a:t>могат</a:t>
+            </a:r>
+            <a:r>
+              <a:rPr dirty="0"/>
+              <a:t> </a:t>
+            </a:r>
+            <a:r>
+              <a:rPr dirty="0" err="1"/>
+              <a:t>да</a:t>
+            </a:r>
+            <a:r>
+              <a:rPr dirty="0"/>
+              <a:t> </a:t>
+            </a:r>
+            <a:r>
+              <a:rPr dirty="0" err="1"/>
+              <a:t>бъдат</a:t>
+            </a:r>
+            <a:r>
+              <a:rPr dirty="0"/>
+              <a:t> </a:t>
+            </a:r>
+            <a:r>
+              <a:rPr dirty="0" err="1"/>
+              <a:t>разместени</a:t>
+            </a:r>
+            <a:r>
+              <a:rPr dirty="0"/>
+              <a:t>.</a:t>
             </a:r>
           </a:p>
           <a:p>
@@ -6169,7 +7547,204 @@
               <a:defRPr sz="2304"/>
             </a:pPr>
             <a:r>
-              <a:t>Когато се използва API, се препоръчва използване на positional-only аргументи, за да се предотврати промяната на имената на параметри от страна на API ако се смени името в бъдеще.</a:t>
+              <a:rPr dirty="0" err="1"/>
+              <a:t>Когато</a:t>
+            </a:r>
+            <a:r>
+              <a:rPr dirty="0"/>
+              <a:t> </a:t>
+            </a:r>
+            <a:r>
+              <a:rPr dirty="0" err="1"/>
+              <a:t>се</a:t>
+            </a:r>
+            <a:r>
+              <a:rPr dirty="0"/>
+              <a:t> </a:t>
+            </a:r>
+            <a:r>
+              <a:rPr dirty="0" err="1"/>
+              <a:t>използва</a:t>
+            </a:r>
+            <a:r>
+              <a:rPr dirty="0"/>
+              <a:t> API, </a:t>
+            </a:r>
+            <a:r>
+              <a:rPr dirty="0" err="1"/>
+              <a:t>се</a:t>
+            </a:r>
+            <a:r>
+              <a:rPr dirty="0"/>
+              <a:t> </a:t>
+            </a:r>
+            <a:r>
+              <a:rPr dirty="0" err="1"/>
+              <a:t>препоръчва</a:t>
+            </a:r>
+            <a:r>
+              <a:rPr dirty="0"/>
+              <a:t> </a:t>
+            </a:r>
+            <a:r>
+              <a:rPr dirty="0" err="1"/>
+              <a:t>използване</a:t>
+            </a:r>
+            <a:r>
+              <a:rPr dirty="0"/>
+              <a:t> </a:t>
+            </a:r>
+            <a:r>
+              <a:rPr dirty="0" err="1"/>
+              <a:t>на</a:t>
+            </a:r>
+            <a:r>
+              <a:rPr dirty="0"/>
+              <a:t> positional-only </a:t>
+            </a:r>
+            <a:r>
+              <a:rPr dirty="0" err="1"/>
+              <a:t>аргументи</a:t>
+            </a:r>
+            <a:r>
+              <a:rPr dirty="0"/>
+              <a:t>, </a:t>
+            </a:r>
+            <a:r>
+              <a:rPr dirty="0" err="1"/>
+              <a:t>за</a:t>
+            </a:r>
+            <a:r>
+              <a:rPr dirty="0"/>
+              <a:t> </a:t>
+            </a:r>
+            <a:r>
+              <a:rPr dirty="0" err="1"/>
+              <a:t>да</a:t>
+            </a:r>
+            <a:r>
+              <a:rPr dirty="0"/>
+              <a:t> </a:t>
+            </a:r>
+            <a:r>
+              <a:rPr dirty="0" err="1"/>
+              <a:t>се</a:t>
+            </a:r>
+            <a:r>
+              <a:rPr dirty="0"/>
+              <a:t> </a:t>
+            </a:r>
+            <a:r>
+              <a:rPr dirty="0" err="1"/>
+              <a:t>предотврати</a:t>
+            </a:r>
+            <a:r>
+              <a:rPr dirty="0"/>
+              <a:t> </a:t>
+            </a:r>
+            <a:r>
+              <a:rPr dirty="0" err="1"/>
+              <a:t>промяната</a:t>
+            </a:r>
+            <a:r>
+              <a:rPr dirty="0"/>
+              <a:t> </a:t>
+            </a:r>
+            <a:r>
+              <a:rPr dirty="0" err="1"/>
+              <a:t>на</a:t>
+            </a:r>
+            <a:r>
+              <a:rPr dirty="0"/>
+              <a:t> </a:t>
+            </a:r>
+            <a:r>
+              <a:rPr dirty="0" err="1"/>
+              <a:t>имената</a:t>
+            </a:r>
+            <a:r>
+              <a:rPr dirty="0"/>
+              <a:t> </a:t>
+            </a:r>
+            <a:r>
+              <a:rPr dirty="0" err="1"/>
+              <a:t>на</a:t>
+            </a:r>
+            <a:r>
+              <a:rPr dirty="0"/>
+              <a:t> </a:t>
+            </a:r>
+            <a:r>
+              <a:rPr dirty="0" err="1"/>
+              <a:t>параметри</a:t>
+            </a:r>
+            <a:r>
+              <a:rPr dirty="0"/>
+              <a:t> </a:t>
+            </a:r>
+            <a:r>
+              <a:rPr dirty="0" err="1"/>
+              <a:t>от</a:t>
+            </a:r>
+            <a:r>
+              <a:rPr dirty="0"/>
+              <a:t> </a:t>
+            </a:r>
+            <a:r>
+              <a:rPr dirty="0" err="1"/>
+              <a:t>страна</a:t>
+            </a:r>
+            <a:r>
+              <a:rPr dirty="0"/>
+              <a:t> </a:t>
+            </a:r>
+            <a:r>
+              <a:rPr dirty="0" err="1"/>
+              <a:t>на</a:t>
+            </a:r>
+            <a:r>
+              <a:rPr dirty="0"/>
+              <a:t> API </a:t>
+            </a:r>
+            <a:r>
+              <a:rPr dirty="0" err="1"/>
+              <a:t>ако</a:t>
+            </a:r>
+            <a:r>
+              <a:rPr dirty="0"/>
+              <a:t> </a:t>
+            </a:r>
+            <a:r>
+              <a:rPr dirty="0" err="1"/>
+              <a:t>се</a:t>
+            </a:r>
+            <a:r>
+              <a:rPr dirty="0"/>
+              <a:t> </a:t>
+            </a:r>
+            <a:r>
+              <a:rPr dirty="0" err="1"/>
+              <a:t>смени</a:t>
+            </a:r>
+            <a:r>
+              <a:rPr dirty="0"/>
+              <a:t> </a:t>
+            </a:r>
+            <a:r>
+              <a:rPr dirty="0" err="1"/>
+              <a:t>името</a:t>
+            </a:r>
+            <a:r>
+              <a:rPr dirty="0"/>
+              <a:t> в </a:t>
+            </a:r>
+            <a:r>
+              <a:rPr dirty="0" err="1"/>
+              <a:t>бъдеще</a:t>
+            </a:r>
+            <a:r>
+              <a:rPr dirty="0"/>
+              <a:t>.</a:t>
             </a:r>
           </a:p>
         </p:txBody>
@@ -6392,7 +7967,316 @@
               <a:defRPr sz="3564"/>
             </a:pPr>
             <a:r>
-              <a:t>Обикновено този променлив брой аргументи е последен в списъка с формални параметри, защото не се знае точния им брой и интерпретатора не може да прецени кои са задължителни (след променливия списък) и кои не. Всички формални параметри, които се намират след параметъра *args са ‘keyword-only’ .</a:t>
+              <a:rPr dirty="0" err="1"/>
+              <a:t>Обикновено</a:t>
+            </a:r>
+            <a:r>
+              <a:rPr dirty="0"/>
+              <a:t> </a:t>
+            </a:r>
+            <a:r>
+              <a:rPr dirty="0" err="1"/>
+              <a:t>този</a:t>
+            </a:r>
+            <a:r>
+              <a:rPr dirty="0"/>
+              <a:t> </a:t>
+            </a:r>
+            <a:r>
+              <a:rPr dirty="0" err="1"/>
+              <a:t>променлив</a:t>
+            </a:r>
+            <a:r>
+              <a:rPr dirty="0"/>
+              <a:t> </a:t>
+            </a:r>
+            <a:r>
+              <a:rPr dirty="0" err="1"/>
+              <a:t>брой</a:t>
+            </a:r>
+            <a:r>
+              <a:rPr dirty="0"/>
+              <a:t> </a:t>
+            </a:r>
+            <a:r>
+              <a:rPr dirty="0" err="1"/>
+              <a:t>аргументи</a:t>
+            </a:r>
+            <a:r>
+              <a:rPr dirty="0"/>
+              <a:t> е </a:t>
+            </a:r>
+            <a:r>
+              <a:rPr dirty="0" err="1"/>
+              <a:t>последен</a:t>
+            </a:r>
+            <a:r>
+              <a:rPr dirty="0"/>
+              <a:t> в </a:t>
+            </a:r>
+            <a:r>
+              <a:rPr dirty="0" err="1"/>
+              <a:t>списъка</a:t>
+            </a:r>
+            <a:r>
+              <a:rPr dirty="0"/>
+              <a:t> с </a:t>
+            </a:r>
+            <a:r>
+              <a:rPr dirty="0" err="1"/>
+              <a:t>формални</a:t>
+            </a:r>
+            <a:r>
+              <a:rPr dirty="0"/>
+              <a:t> </a:t>
+            </a:r>
+            <a:r>
+              <a:rPr dirty="0" err="1"/>
+              <a:t>параметри</a:t>
+            </a:r>
+            <a:r>
+              <a:rPr dirty="0"/>
+              <a:t>, </a:t>
+            </a:r>
+            <a:r>
+              <a:rPr dirty="0" err="1"/>
+              <a:t>защото</a:t>
+            </a:r>
+            <a:r>
+              <a:rPr dirty="0"/>
+              <a:t> </a:t>
+            </a:r>
+            <a:r>
+              <a:rPr dirty="0" err="1"/>
+              <a:t>не</a:t>
+            </a:r>
+            <a:r>
+              <a:rPr dirty="0"/>
+              <a:t> </a:t>
+            </a:r>
+            <a:r>
+              <a:rPr dirty="0" err="1"/>
+              <a:t>се</a:t>
+            </a:r>
+            <a:r>
+              <a:rPr dirty="0"/>
+              <a:t> </a:t>
+            </a:r>
+            <a:r>
+              <a:rPr dirty="0" err="1"/>
+              <a:t>знае</a:t>
+            </a:r>
+            <a:r>
+              <a:rPr dirty="0"/>
+              <a:t> </a:t>
+            </a:r>
+            <a:r>
+              <a:rPr dirty="0" err="1"/>
+              <a:t>точния</a:t>
+            </a:r>
+            <a:r>
+              <a:rPr dirty="0"/>
+              <a:t> </a:t>
+            </a:r>
+            <a:r>
+              <a:rPr dirty="0" err="1"/>
+              <a:t>им</a:t>
+            </a:r>
+            <a:r>
+              <a:rPr dirty="0"/>
+              <a:t> </a:t>
+            </a:r>
+            <a:r>
+              <a:rPr dirty="0" err="1"/>
+              <a:t>брой</a:t>
+            </a:r>
+            <a:r>
+              <a:rPr dirty="0"/>
+              <a:t> и </a:t>
+            </a:r>
+            <a:r>
+              <a:rPr dirty="0" err="1"/>
+              <a:t>интерпретатора</a:t>
+            </a:r>
+            <a:r>
+              <a:rPr dirty="0"/>
+              <a:t> </a:t>
+            </a:r>
+            <a:r>
+              <a:rPr dirty="0" err="1"/>
+              <a:t>не</a:t>
+            </a:r>
+            <a:r>
+              <a:rPr dirty="0"/>
+              <a:t> </a:t>
+            </a:r>
+            <a:r>
+              <a:rPr dirty="0" err="1"/>
+              <a:t>може</a:t>
+            </a:r>
+            <a:r>
+              <a:rPr dirty="0"/>
+              <a:t> </a:t>
+            </a:r>
+            <a:r>
+              <a:rPr dirty="0" err="1"/>
+              <a:t>да</a:t>
+            </a:r>
+            <a:r>
+              <a:rPr dirty="0"/>
+              <a:t> </a:t>
+            </a:r>
+            <a:r>
+              <a:rPr dirty="0" err="1"/>
+              <a:t>прецени</a:t>
+            </a:r>
+            <a:r>
+              <a:rPr dirty="0"/>
+              <a:t> </a:t>
+            </a:r>
+            <a:r>
+              <a:rPr dirty="0" err="1"/>
+              <a:t>кои</a:t>
+            </a:r>
+            <a:r>
+              <a:rPr dirty="0"/>
+              <a:t> </a:t>
+            </a:r>
+            <a:r>
+              <a:rPr dirty="0" err="1"/>
+              <a:t>са</a:t>
+            </a:r>
+            <a:r>
+              <a:rPr dirty="0"/>
+              <a:t> </a:t>
+            </a:r>
+            <a:r>
+              <a:rPr dirty="0" err="1"/>
+              <a:t>задължителни</a:t>
+            </a:r>
+            <a:r>
+              <a:rPr dirty="0"/>
+              <a:t> (</a:t>
+            </a:r>
+            <a:r>
+              <a:rPr dirty="0" err="1"/>
+              <a:t>след</a:t>
+            </a:r>
+            <a:r>
+              <a:rPr dirty="0"/>
+              <a:t> </a:t>
+            </a:r>
+            <a:r>
+              <a:rPr dirty="0" err="1"/>
+              <a:t>променливия</a:t>
+            </a:r>
+            <a:r>
+              <a:rPr dirty="0"/>
+              <a:t> </a:t>
+            </a:r>
+            <a:r>
+              <a:rPr dirty="0" err="1"/>
+              <a:t>списък</a:t>
+            </a:r>
+            <a:r>
+              <a:rPr dirty="0"/>
+              <a:t>) и </a:t>
+            </a:r>
+            <a:r>
+              <a:rPr dirty="0" err="1"/>
+              <a:t>кои</a:t>
+            </a:r>
+            <a:r>
+              <a:rPr dirty="0"/>
+              <a:t> </a:t>
+            </a:r>
+            <a:r>
+              <a:rPr dirty="0" err="1"/>
+              <a:t>не</a:t>
+            </a:r>
+            <a:r>
+              <a:rPr dirty="0"/>
+              <a:t>. </a:t>
+            </a:r>
+            <a:r>
+              <a:rPr dirty="0" err="1"/>
+              <a:t>Всички</a:t>
+            </a:r>
+            <a:r>
+              <a:rPr dirty="0"/>
+              <a:t> </a:t>
+            </a:r>
+            <a:r>
+              <a:rPr dirty="0" err="1"/>
+              <a:t>формални</a:t>
+            </a:r>
+            <a:r>
+              <a:rPr dirty="0"/>
+              <a:t> </a:t>
+            </a:r>
+            <a:r>
+              <a:rPr dirty="0" err="1"/>
+              <a:t>параметри</a:t>
+            </a:r>
+            <a:r>
+              <a:rPr dirty="0"/>
+              <a:t>, </a:t>
+            </a:r>
+            <a:r>
+              <a:rPr dirty="0" err="1"/>
+              <a:t>които</a:t>
+            </a:r>
+            <a:r>
+              <a:rPr dirty="0"/>
+              <a:t> </a:t>
+            </a:r>
+            <a:r>
+              <a:rPr dirty="0" err="1"/>
+              <a:t>се</a:t>
+            </a:r>
+            <a:r>
+              <a:rPr dirty="0"/>
+              <a:t> </a:t>
+            </a:r>
+            <a:r>
+              <a:rPr dirty="0" err="1"/>
+              <a:t>намират</a:t>
+            </a:r>
+            <a:r>
+              <a:rPr dirty="0"/>
+              <a:t> </a:t>
+            </a:r>
+            <a:r>
+              <a:rPr dirty="0" err="1"/>
+              <a:t>след</a:t>
+            </a:r>
+            <a:r>
+              <a:rPr dirty="0"/>
+              <a:t> </a:t>
+            </a:r>
+            <a:r>
+              <a:rPr dirty="0" err="1"/>
+              <a:t>параметъра</a:t>
+            </a:r>
+            <a:r>
+              <a:rPr dirty="0"/>
+              <a:t> *</a:t>
+            </a:r>
+            <a:r>
+              <a:rPr dirty="0" err="1"/>
+              <a:t>args</a:t>
+            </a:r>
+            <a:r>
+              <a:rPr dirty="0"/>
+              <a:t> </a:t>
+            </a:r>
+            <a:r>
+              <a:rPr dirty="0" err="1"/>
+              <a:t>са</a:t>
+            </a:r>
+            <a:r>
+              <a:rPr dirty="0"/>
+              <a:t> ‘keyword-only’ .</a:t>
             </a:r>
           </a:p>
           <a:p>
@@ -6402,7 +8286,7 @@
               </a:spcBef>
               <a:defRPr sz="3564"/>
             </a:pPr>
-            <a:endParaRPr/>
+            <a:endParaRPr dirty="0"/>
           </a:p>
         </p:txBody>
       </p:sp>
@@ -6422,7 +8306,7 @@
         </p:blipFill>
         <p:spPr>
           <a:xfrm>
-            <a:off x="1928622" y="6663804"/>
+            <a:off x="1721358" y="7151484"/>
             <a:ext cx="9147556" cy="3077096"/>
           </a:xfrm>
           <a:prstGeom prst="rect">
@@ -6499,6 +8383,10 @@
           </p:nvPr>
         </p:nvSpPr>
         <p:spPr>
+          <a:xfrm>
+            <a:off x="952500" y="1981708"/>
+            <a:ext cx="11099800" cy="6286500"/>
+          </a:xfrm>
           <a:prstGeom prst="rect">
             <a:avLst/>
           </a:prstGeom>
@@ -6514,7 +8402,396 @@
               <a:defRPr sz="3276"/>
             </a:pPr>
             <a:r>
-              <a:t>Обратната ситуация се случва когато аргументите са пакетирани в списък или tuple, но трябва да се разделят при извикването на функция, защото то изисква отделни позиционни аргунети. Например, вградената функция range() очаква отделно зададени start и stop аргументи. Ако те не са достъпни отделно, функцията се извиква с *-операция, за да разпакетира аргументите от списъка или tuple:</a:t>
+              <a:rPr dirty="0" err="1"/>
+              <a:t>Обратната</a:t>
+            </a:r>
+            <a:r>
+              <a:rPr dirty="0"/>
+              <a:t> </a:t>
+            </a:r>
+            <a:r>
+              <a:rPr dirty="0" err="1"/>
+              <a:t>ситуация</a:t>
+            </a:r>
+            <a:r>
+              <a:rPr dirty="0"/>
+              <a:t> </a:t>
+            </a:r>
+            <a:r>
+              <a:rPr dirty="0" err="1"/>
+              <a:t>се</a:t>
+            </a:r>
+            <a:r>
+              <a:rPr dirty="0"/>
+              <a:t> </a:t>
+            </a:r>
+            <a:r>
+              <a:rPr dirty="0" err="1"/>
+              <a:t>случва</a:t>
+            </a:r>
+            <a:r>
+              <a:rPr dirty="0"/>
+              <a:t> </a:t>
+            </a:r>
+            <a:r>
+              <a:rPr dirty="0" err="1"/>
+              <a:t>когато</a:t>
+            </a:r>
+            <a:r>
+              <a:rPr dirty="0"/>
+              <a:t> </a:t>
+            </a:r>
+            <a:r>
+              <a:rPr dirty="0" err="1"/>
+              <a:t>аргументите</a:t>
+            </a:r>
+            <a:r>
+              <a:rPr dirty="0"/>
+              <a:t> </a:t>
+            </a:r>
+            <a:r>
+              <a:rPr dirty="0" err="1"/>
+              <a:t>са</a:t>
+            </a:r>
+            <a:r>
+              <a:rPr dirty="0"/>
+              <a:t> </a:t>
+            </a:r>
+            <a:r>
+              <a:rPr dirty="0" err="1"/>
+              <a:t>пакетирани</a:t>
+            </a:r>
+            <a:r>
+              <a:rPr dirty="0"/>
+              <a:t> в </a:t>
+            </a:r>
+            <a:r>
+              <a:rPr dirty="0" err="1"/>
+              <a:t>списък</a:t>
+            </a:r>
+            <a:r>
+              <a:rPr dirty="0"/>
+              <a:t> </a:t>
+            </a:r>
+            <a:r>
+              <a:rPr dirty="0" err="1"/>
+              <a:t>или</a:t>
+            </a:r>
+            <a:r>
+              <a:rPr dirty="0"/>
+              <a:t> tuple, </a:t>
+            </a:r>
+            <a:r>
+              <a:rPr dirty="0" err="1"/>
+              <a:t>но</a:t>
+            </a:r>
+            <a:r>
+              <a:rPr dirty="0"/>
+              <a:t> </a:t>
+            </a:r>
+            <a:r>
+              <a:rPr dirty="0" err="1"/>
+              <a:t>трябва</a:t>
+            </a:r>
+            <a:r>
+              <a:rPr dirty="0"/>
+              <a:t> </a:t>
+            </a:r>
+            <a:r>
+              <a:rPr dirty="0" err="1"/>
+              <a:t>да</a:t>
+            </a:r>
+            <a:r>
+              <a:rPr dirty="0"/>
+              <a:t> </a:t>
+            </a:r>
+            <a:r>
+              <a:rPr dirty="0" err="1"/>
+              <a:t>се</a:t>
+            </a:r>
+            <a:r>
+              <a:rPr dirty="0"/>
+              <a:t> </a:t>
+            </a:r>
+            <a:r>
+              <a:rPr dirty="0" err="1"/>
+              <a:t>разделят</a:t>
+            </a:r>
+            <a:r>
+              <a:rPr dirty="0"/>
+              <a:t> </a:t>
+            </a:r>
+            <a:r>
+              <a:rPr dirty="0" err="1"/>
+              <a:t>при</a:t>
+            </a:r>
+            <a:r>
+              <a:rPr dirty="0"/>
+              <a:t> </a:t>
+            </a:r>
+            <a:r>
+              <a:rPr dirty="0" err="1"/>
+              <a:t>извикването</a:t>
+            </a:r>
+            <a:r>
+              <a:rPr dirty="0"/>
+              <a:t> </a:t>
+            </a:r>
+            <a:r>
+              <a:rPr dirty="0" err="1"/>
+              <a:t>на</a:t>
+            </a:r>
+            <a:r>
+              <a:rPr dirty="0"/>
+              <a:t> </a:t>
+            </a:r>
+            <a:r>
+              <a:rPr dirty="0" err="1"/>
+              <a:t>функция</a:t>
+            </a:r>
+            <a:r>
+              <a:rPr dirty="0"/>
+              <a:t>, </a:t>
+            </a:r>
+            <a:r>
+              <a:rPr dirty="0" err="1"/>
+              <a:t>защото</a:t>
+            </a:r>
+            <a:r>
+              <a:rPr dirty="0"/>
+              <a:t> </a:t>
+            </a:r>
+            <a:r>
+              <a:rPr dirty="0" err="1"/>
+              <a:t>то</a:t>
+            </a:r>
+            <a:r>
+              <a:rPr dirty="0"/>
+              <a:t> </a:t>
+            </a:r>
+            <a:r>
+              <a:rPr dirty="0" err="1"/>
+              <a:t>изисква</a:t>
+            </a:r>
+            <a:r>
+              <a:rPr dirty="0"/>
+              <a:t> </a:t>
+            </a:r>
+            <a:r>
+              <a:rPr dirty="0" err="1"/>
+              <a:t>отделни</a:t>
+            </a:r>
+            <a:r>
+              <a:rPr dirty="0"/>
+              <a:t> </a:t>
+            </a:r>
+            <a:r>
+              <a:rPr dirty="0" err="1"/>
+              <a:t>позиционни</a:t>
+            </a:r>
+            <a:r>
+              <a:rPr dirty="0"/>
+              <a:t> </a:t>
+            </a:r>
+            <a:r>
+              <a:rPr dirty="0" err="1"/>
+              <a:t>аргунети</a:t>
+            </a:r>
+            <a:r>
+              <a:rPr dirty="0"/>
+              <a:t>. </a:t>
+            </a:r>
+            <a:r>
+              <a:rPr dirty="0" err="1"/>
+              <a:t>Например</a:t>
+            </a:r>
+            <a:r>
+              <a:rPr dirty="0"/>
+              <a:t>, </a:t>
+            </a:r>
+            <a:r>
+              <a:rPr dirty="0" err="1"/>
+              <a:t>вградената</a:t>
+            </a:r>
+            <a:r>
+              <a:rPr dirty="0"/>
+              <a:t> </a:t>
+            </a:r>
+            <a:r>
+              <a:rPr dirty="0" err="1"/>
+              <a:t>функция</a:t>
+            </a:r>
+            <a:r>
+              <a:rPr dirty="0"/>
+              <a:t> range() </a:t>
+            </a:r>
+            <a:r>
+              <a:rPr dirty="0" err="1"/>
+              <a:t>очаква</a:t>
+            </a:r>
+            <a:r>
+              <a:rPr dirty="0"/>
+              <a:t> </a:t>
+            </a:r>
+            <a:r>
+              <a:rPr dirty="0" err="1"/>
+              <a:t>отделно</a:t>
+            </a:r>
+            <a:r>
+              <a:rPr dirty="0"/>
+              <a:t> </a:t>
+            </a:r>
+            <a:r>
+              <a:rPr dirty="0" err="1"/>
+              <a:t>зададени</a:t>
+            </a:r>
+            <a:r>
+              <a:rPr dirty="0"/>
+              <a:t> start и stop </a:t>
+            </a:r>
+            <a:r>
+              <a:rPr dirty="0" err="1"/>
+              <a:t>аргументи</a:t>
+            </a:r>
+            <a:r>
+              <a:rPr dirty="0"/>
+              <a:t>. </a:t>
+            </a:r>
+            <a:r>
+              <a:rPr dirty="0" err="1"/>
+              <a:t>Ако</a:t>
+            </a:r>
+            <a:r>
+              <a:rPr dirty="0"/>
+              <a:t> </a:t>
+            </a:r>
+            <a:r>
+              <a:rPr dirty="0" err="1"/>
+              <a:t>те</a:t>
+            </a:r>
+            <a:r>
+              <a:rPr dirty="0"/>
+              <a:t> </a:t>
+            </a:r>
+            <a:r>
+              <a:rPr dirty="0" err="1"/>
+              <a:t>не</a:t>
+            </a:r>
+            <a:r>
+              <a:rPr dirty="0"/>
+              <a:t> </a:t>
+            </a:r>
+            <a:r>
+              <a:rPr dirty="0" err="1"/>
+              <a:t>са</a:t>
+            </a:r>
+            <a:r>
+              <a:rPr dirty="0"/>
+              <a:t> </a:t>
+            </a:r>
+            <a:r>
+              <a:rPr dirty="0" err="1"/>
+              <a:t>достъпни</a:t>
+            </a:r>
+            <a:r>
+              <a:rPr dirty="0"/>
+              <a:t> </a:t>
+            </a:r>
+            <a:r>
+              <a:rPr dirty="0" err="1"/>
+              <a:t>отделно</a:t>
+            </a:r>
+            <a:r>
+              <a:rPr dirty="0"/>
+              <a:t>, </a:t>
+            </a:r>
+            <a:r>
+              <a:rPr dirty="0" err="1"/>
+              <a:t>функцията</a:t>
+            </a:r>
+            <a:r>
+              <a:rPr dirty="0"/>
+              <a:t> </a:t>
+            </a:r>
+            <a:r>
+              <a:rPr dirty="0" err="1"/>
+              <a:t>се</a:t>
+            </a:r>
+            <a:r>
+              <a:rPr dirty="0"/>
+              <a:t> </a:t>
+            </a:r>
+            <a:r>
+              <a:rPr dirty="0" err="1"/>
+              <a:t>извиква</a:t>
+            </a:r>
+            <a:r>
+              <a:rPr dirty="0"/>
+              <a:t> с *-</a:t>
+            </a:r>
+            <a:r>
+              <a:rPr dirty="0" err="1"/>
+              <a:t>операция</a:t>
+            </a:r>
+            <a:r>
+              <a:rPr dirty="0"/>
+              <a:t>, </a:t>
+            </a:r>
+            <a:r>
+              <a:rPr dirty="0" err="1"/>
+              <a:t>за</a:t>
+            </a:r>
+            <a:r>
+              <a:rPr dirty="0"/>
+              <a:t> </a:t>
+            </a:r>
+            <a:r>
+              <a:rPr dirty="0" err="1"/>
+              <a:t>да</a:t>
+            </a:r>
+            <a:r>
+              <a:rPr dirty="0"/>
+              <a:t> </a:t>
+            </a:r>
+            <a:r>
+              <a:rPr dirty="0" err="1"/>
+              <a:t>разпакетира</a:t>
+            </a:r>
+            <a:r>
+              <a:rPr dirty="0"/>
+              <a:t> </a:t>
+            </a:r>
+            <a:r>
+              <a:rPr dirty="0" err="1"/>
+              <a:t>аргументите</a:t>
+            </a:r>
+            <a:r>
+              <a:rPr dirty="0"/>
+              <a:t> </a:t>
+            </a:r>
+            <a:r>
+              <a:rPr dirty="0" err="1"/>
+              <a:t>от</a:t>
+            </a:r>
+            <a:r>
+              <a:rPr dirty="0"/>
+              <a:t> </a:t>
+            </a:r>
+            <a:r>
+              <a:rPr dirty="0" err="1"/>
+              <a:t>списъка</a:t>
+            </a:r>
+            <a:r>
+              <a:rPr dirty="0"/>
+              <a:t> </a:t>
+            </a:r>
+            <a:r>
+              <a:rPr dirty="0" err="1"/>
+              <a:t>или</a:t>
+            </a:r>
+            <a:r>
+              <a:rPr dirty="0"/>
+              <a:t> tuple:</a:t>
             </a:r>
           </a:p>
           <a:p>
@@ -6524,7 +8801,7 @@
               </a:spcBef>
               <a:defRPr sz="3276"/>
             </a:pPr>
-            <a:endParaRPr/>
+            <a:endParaRPr dirty="0"/>
           </a:p>
         </p:txBody>
       </p:sp>
@@ -6544,7 +8821,7 @@
         </p:blipFill>
         <p:spPr>
           <a:xfrm>
-            <a:off x="101600" y="7046354"/>
+            <a:off x="0" y="6817245"/>
             <a:ext cx="13004800" cy="1909293"/>
           </a:xfrm>
           <a:prstGeom prst="rect">
@@ -6621,6 +8898,10 @@
           </p:nvPr>
         </p:nvSpPr>
         <p:spPr>
+          <a:xfrm>
+            <a:off x="1098804" y="1055574"/>
+            <a:ext cx="11099800" cy="6286500"/>
+          </a:xfrm>
           <a:prstGeom prst="rect">
             <a:avLst/>
           </a:prstGeom>
@@ -6630,11 +8911,136 @@
           <a:lstStyle/>
           <a:p>
             <a:r>
-              <a:t>По същия начин, ако трябва да се предаде dictionaries като ключов аргумент, за разпакетиране се използва **-операция:</a:t>
-            </a:r>
-          </a:p>
-          <a:p>
-            <a:endParaRPr/>
+              <a:rPr dirty="0" err="1"/>
+              <a:t>По</a:t>
+            </a:r>
+            <a:r>
+              <a:rPr dirty="0"/>
+              <a:t> </a:t>
+            </a:r>
+            <a:r>
+              <a:rPr dirty="0" err="1"/>
+              <a:t>същия</a:t>
+            </a:r>
+            <a:r>
+              <a:rPr dirty="0"/>
+              <a:t> </a:t>
+            </a:r>
+            <a:r>
+              <a:rPr dirty="0" err="1"/>
+              <a:t>начин</a:t>
+            </a:r>
+            <a:r>
+              <a:rPr dirty="0"/>
+              <a:t>, </a:t>
+            </a:r>
+            <a:r>
+              <a:rPr dirty="0" err="1"/>
+              <a:t>ако</a:t>
+            </a:r>
+            <a:r>
+              <a:rPr dirty="0"/>
+              <a:t> </a:t>
+            </a:r>
+            <a:r>
+              <a:rPr dirty="0" err="1"/>
+              <a:t>трябва</a:t>
+            </a:r>
+            <a:r>
+              <a:rPr dirty="0"/>
+              <a:t> </a:t>
+            </a:r>
+            <a:r>
+              <a:rPr dirty="0" err="1"/>
+              <a:t>да</a:t>
+            </a:r>
+            <a:r>
+              <a:rPr dirty="0"/>
+              <a:t> </a:t>
+            </a:r>
+            <a:r>
+              <a:rPr dirty="0" err="1"/>
+              <a:t>се</a:t>
+            </a:r>
+            <a:r>
+              <a:rPr dirty="0"/>
+              <a:t> </a:t>
+            </a:r>
+            <a:r>
+              <a:rPr dirty="0" err="1"/>
+              <a:t>предаде</a:t>
+            </a:r>
+            <a:r>
+              <a:rPr dirty="0"/>
+              <a:t> dictionaries </a:t>
+            </a:r>
+            <a:r>
+              <a:rPr dirty="0" err="1"/>
+              <a:t>като</a:t>
+            </a:r>
+            <a:r>
+              <a:rPr dirty="0"/>
+              <a:t> </a:t>
+            </a:r>
+            <a:r>
+              <a:rPr dirty="0" err="1"/>
+              <a:t>ключов</a:t>
+            </a:r>
+            <a:r>
+              <a:rPr dirty="0"/>
+              <a:t> </a:t>
+            </a:r>
+            <a:r>
+              <a:rPr dirty="0" err="1"/>
+              <a:t>аргумент</a:t>
+            </a:r>
+            <a:r>
+              <a:rPr dirty="0"/>
+              <a:t>, </a:t>
+            </a:r>
+            <a:r>
+              <a:rPr dirty="0" err="1"/>
+              <a:t>за</a:t>
+            </a:r>
+            <a:r>
+              <a:rPr dirty="0"/>
+              <a:t> </a:t>
+            </a:r>
+            <a:r>
+              <a:rPr dirty="0" err="1"/>
+              <a:t>разпакетиране</a:t>
+            </a:r>
+            <a:r>
+              <a:rPr dirty="0"/>
+              <a:t> </a:t>
+            </a:r>
+            <a:r>
+              <a:rPr dirty="0" err="1"/>
+              <a:t>се</a:t>
+            </a:r>
+            <a:r>
+              <a:rPr dirty="0"/>
+              <a:t> </a:t>
+            </a:r>
+            <a:r>
+              <a:rPr dirty="0" err="1"/>
+              <a:t>използва</a:t>
+            </a:r>
+            <a:r>
+              <a:rPr dirty="0"/>
+              <a:t> **-</a:t>
+            </a:r>
+            <a:r>
+              <a:rPr dirty="0" err="1"/>
+              <a:t>операция</a:t>
+            </a:r>
+            <a:r>
+              <a:rPr dirty="0"/>
+              <a:t>:</a:t>
+            </a:r>
+          </a:p>
+          <a:p>
+            <a:endParaRPr dirty="0"/>
           </a:p>
         </p:txBody>
       </p:sp>
@@ -6911,7 +9317,7 @@
         </p:nvSpPr>
         <p:spPr>
           <a:xfrm>
-            <a:off x="1244600" y="2400300"/>
+            <a:off x="1305560" y="1156716"/>
             <a:ext cx="11099800" cy="6286500"/>
           </a:xfrm>
           <a:prstGeom prst="rect">
@@ -6923,14 +9329,115 @@
           <a:lstStyle/>
           <a:p>
             <a:r>
-              <a:t>Както вградените дефиниции на функции, така и lambda функциите могат да реферират променливи в обхващащата функция:</a:t>
-            </a:r>
-          </a:p>
-          <a:p>
-            <a:endParaRPr/>
-          </a:p>
-          <a:p>
-            <a:endParaRPr/>
+              <a:rPr dirty="0" err="1"/>
+              <a:t>Както</a:t>
+            </a:r>
+            <a:r>
+              <a:rPr dirty="0"/>
+              <a:t> </a:t>
+            </a:r>
+            <a:r>
+              <a:rPr dirty="0" err="1"/>
+              <a:t>вградените</a:t>
+            </a:r>
+            <a:r>
+              <a:rPr dirty="0"/>
+              <a:t> </a:t>
+            </a:r>
+            <a:r>
+              <a:rPr dirty="0" err="1"/>
+              <a:t>дефиниции</a:t>
+            </a:r>
+            <a:r>
+              <a:rPr dirty="0"/>
+              <a:t> </a:t>
+            </a:r>
+            <a:r>
+              <a:rPr dirty="0" err="1"/>
+              <a:t>на</a:t>
+            </a:r>
+            <a:r>
+              <a:rPr dirty="0"/>
+              <a:t> </a:t>
+            </a:r>
+            <a:r>
+              <a:rPr dirty="0" err="1"/>
+              <a:t>функции</a:t>
+            </a:r>
+            <a:r>
+              <a:rPr dirty="0"/>
+              <a:t>, </a:t>
+            </a:r>
+            <a:r>
+              <a:rPr dirty="0" err="1"/>
+              <a:t>така</a:t>
+            </a:r>
+            <a:r>
+              <a:rPr dirty="0"/>
+              <a:t> и lambda </a:t>
+            </a:r>
+            <a:r>
+              <a:rPr dirty="0" err="1"/>
+              <a:t>функциите</a:t>
+            </a:r>
+            <a:r>
+              <a:rPr dirty="0"/>
+              <a:t> </a:t>
+            </a:r>
+            <a:r>
+              <a:rPr dirty="0" err="1"/>
+              <a:t>могат</a:t>
+            </a:r>
+            <a:r>
+              <a:rPr dirty="0"/>
+              <a:t> </a:t>
+            </a:r>
+            <a:r>
+              <a:rPr dirty="0" err="1"/>
+              <a:t>да</a:t>
+            </a:r>
+            <a:r>
+              <a:rPr dirty="0"/>
+              <a:t> </a:t>
+            </a:r>
+            <a:r>
+              <a:rPr dirty="0" err="1"/>
+              <a:t>реферират</a:t>
+            </a:r>
+            <a:r>
+              <a:rPr dirty="0"/>
+              <a:t> </a:t>
+            </a:r>
+            <a:r>
+              <a:rPr dirty="0" err="1"/>
+              <a:t>променливи</a:t>
+            </a:r>
+            <a:r>
+              <a:rPr dirty="0"/>
+              <a:t> в </a:t>
+            </a:r>
+            <a:r>
+              <a:rPr dirty="0" err="1"/>
+              <a:t>обхващащата</a:t>
+            </a:r>
+            <a:r>
+              <a:rPr dirty="0"/>
+              <a:t> </a:t>
+            </a:r>
+            <a:r>
+              <a:rPr dirty="0" err="1"/>
+              <a:t>функция</a:t>
+            </a:r>
+            <a:r>
+              <a:rPr dirty="0"/>
+              <a:t>:</a:t>
+            </a:r>
+          </a:p>
+          <a:p>
+            <a:endParaRPr dirty="0"/>
+          </a:p>
+          <a:p>
+            <a:endParaRPr dirty="0"/>
           </a:p>
         </p:txBody>
       </p:sp>
@@ -7264,7 +9771,7 @@
         </p:blipFill>
         <p:spPr>
           <a:xfrm>
-            <a:off x="1231900" y="3581400"/>
+            <a:off x="1231900" y="3898900"/>
             <a:ext cx="10541000" cy="5410200"/>
           </a:xfrm>
           <a:prstGeom prst="rect">
@@ -7430,6 +9937,10 @@
           </p:nvPr>
         </p:nvSpPr>
         <p:spPr>
+          <a:xfrm>
+            <a:off x="952500" y="2117760"/>
+            <a:ext cx="11099800" cy="6286500"/>
+          </a:xfrm>
           <a:prstGeom prst="rect">
             <a:avLst/>
           </a:prstGeom>
@@ -7439,14 +9950,99 @@
           <a:lstStyle/>
           <a:p>
             <a:r>
-              <a:t>Следващият пример показва анотация на позиционен аргумент, ключов аргумент и връщана стойност:</a:t>
-            </a:r>
-          </a:p>
-          <a:p>
-            <a:endParaRPr/>
-          </a:p>
-          <a:p>
-            <a:endParaRPr/>
+              <a:rPr dirty="0" err="1"/>
+              <a:t>Следващият</a:t>
+            </a:r>
+            <a:r>
+              <a:rPr dirty="0"/>
+              <a:t> </a:t>
+            </a:r>
+            <a:r>
+              <a:rPr dirty="0" err="1"/>
+              <a:t>пример</a:t>
+            </a:r>
+            <a:r>
+              <a:rPr dirty="0"/>
+              <a:t> </a:t>
+            </a:r>
+            <a:r>
+              <a:rPr dirty="0" err="1"/>
+              <a:t>показва</a:t>
+            </a:r>
+            <a:r>
+              <a:rPr dirty="0"/>
+              <a:t> </a:t>
+            </a:r>
+            <a:r>
+              <a:rPr dirty="0" err="1"/>
+              <a:t>анотация</a:t>
+            </a:r>
+            <a:r>
+              <a:rPr dirty="0"/>
+              <a:t> </a:t>
+            </a:r>
+            <a:r>
+              <a:rPr dirty="0" err="1"/>
+              <a:t>на</a:t>
+            </a:r>
+            <a:r>
+              <a:rPr dirty="0"/>
+              <a:t> </a:t>
+            </a:r>
+            <a:r>
+              <a:rPr dirty="0" err="1"/>
+              <a:t>позиционен</a:t>
+            </a:r>
+            <a:r>
+              <a:rPr dirty="0"/>
+              <a:t> </a:t>
+            </a:r>
+            <a:r>
+              <a:rPr dirty="0" err="1"/>
+              <a:t>аргумент</a:t>
+            </a:r>
+            <a:r>
+              <a:rPr dirty="0"/>
+              <a:t>, </a:t>
+            </a:r>
+            <a:r>
+              <a:rPr dirty="0" err="1"/>
+              <a:t>ключов</a:t>
+            </a:r>
+            <a:r>
+              <a:rPr dirty="0"/>
+              <a:t> </a:t>
+            </a:r>
+            <a:r>
+              <a:rPr dirty="0" err="1"/>
+              <a:t>аргумент</a:t>
+            </a:r>
+            <a:r>
+              <a:rPr dirty="0"/>
+              <a:t> и </a:t>
+            </a:r>
+            <a:r>
+              <a:rPr dirty="0" err="1"/>
+              <a:t>връщана</a:t>
+            </a:r>
+            <a:r>
+              <a:rPr dirty="0"/>
+              <a:t> </a:t>
+            </a:r>
+            <a:r>
+              <a:rPr dirty="0" err="1"/>
+              <a:t>стойност</a:t>
+            </a:r>
+            <a:r>
+              <a:rPr dirty="0"/>
+              <a:t>:</a:t>
+            </a:r>
+          </a:p>
+          <a:p>
+            <a:endParaRPr dirty="0"/>
+          </a:p>
+          <a:p>
+            <a:endParaRPr dirty="0"/>
           </a:p>
         </p:txBody>
       </p:sp>
@@ -8020,7 +10616,7 @@
         </p:blipFill>
         <p:spPr>
           <a:xfrm>
-            <a:off x="2400300" y="6667500"/>
+            <a:off x="2755900" y="7272617"/>
             <a:ext cx="7493000" cy="2844800"/>
           </a:xfrm>
           <a:prstGeom prst="rect">
@@ -8112,7 +10708,468 @@
               <a:defRPr sz="3276"/>
             </a:pPr>
             <a:r>
-              <a:t>Както при други езици за програмиране, така и тук може да бъде създадена процедура - функция, която не връща стойност. В този случай се използва правилото, че всяка функция връща стойност дори да няма явно написан оператор return. Когато този факт е налице се връща None (вградено име). Интерпретаторът не разпечатва тази стойност, но ако тя се използва в print(), може да се види на екрана:</a:t>
+              <a:rPr dirty="0" err="1"/>
+              <a:t>Както</a:t>
+            </a:r>
+            <a:r>
+              <a:rPr dirty="0"/>
+              <a:t> </a:t>
+            </a:r>
+            <a:r>
+              <a:rPr dirty="0" err="1"/>
+              <a:t>при</a:t>
+            </a:r>
+            <a:r>
+              <a:rPr dirty="0"/>
+              <a:t> </a:t>
+            </a:r>
+            <a:r>
+              <a:rPr dirty="0" err="1"/>
+              <a:t>други</a:t>
+            </a:r>
+            <a:r>
+              <a:rPr dirty="0"/>
+              <a:t> </a:t>
+            </a:r>
+            <a:r>
+              <a:rPr dirty="0" err="1"/>
+              <a:t>езици</a:t>
+            </a:r>
+            <a:r>
+              <a:rPr dirty="0"/>
+              <a:t> </a:t>
+            </a:r>
+            <a:r>
+              <a:rPr dirty="0" err="1"/>
+              <a:t>за</a:t>
+            </a:r>
+            <a:r>
+              <a:rPr dirty="0"/>
+              <a:t> </a:t>
+            </a:r>
+            <a:r>
+              <a:rPr dirty="0" err="1"/>
+              <a:t>програмиране</a:t>
+            </a:r>
+            <a:r>
+              <a:rPr dirty="0"/>
+              <a:t>, </a:t>
+            </a:r>
+            <a:r>
+              <a:rPr dirty="0" err="1"/>
+              <a:t>така</a:t>
+            </a:r>
+            <a:r>
+              <a:rPr dirty="0"/>
+              <a:t> и </a:t>
+            </a:r>
+            <a:r>
+              <a:rPr dirty="0" err="1"/>
+              <a:t>тук</a:t>
+            </a:r>
+            <a:r>
+              <a:rPr dirty="0"/>
+              <a:t> </a:t>
+            </a:r>
+            <a:r>
+              <a:rPr dirty="0" err="1"/>
+              <a:t>може</a:t>
+            </a:r>
+            <a:r>
+              <a:rPr dirty="0"/>
+              <a:t> </a:t>
+            </a:r>
+            <a:r>
+              <a:rPr dirty="0" err="1"/>
+              <a:t>да</a:t>
+            </a:r>
+            <a:r>
+              <a:rPr dirty="0"/>
+              <a:t> </a:t>
+            </a:r>
+            <a:r>
+              <a:rPr dirty="0" err="1"/>
+              <a:t>бъде</a:t>
+            </a:r>
+            <a:r>
+              <a:rPr dirty="0"/>
+              <a:t> </a:t>
+            </a:r>
+            <a:r>
+              <a:rPr dirty="0" err="1"/>
+              <a:t>създадена</a:t>
+            </a:r>
+            <a:r>
+              <a:rPr dirty="0"/>
+              <a:t> </a:t>
+            </a:r>
+            <a:r>
+              <a:rPr dirty="0" err="1"/>
+              <a:t>процедура</a:t>
+            </a:r>
+            <a:r>
+              <a:rPr dirty="0"/>
+              <a:t> - </a:t>
+            </a:r>
+            <a:r>
+              <a:rPr dirty="0" err="1"/>
+              <a:t>функция</a:t>
+            </a:r>
+            <a:r>
+              <a:rPr dirty="0"/>
+              <a:t>, </a:t>
+            </a:r>
+            <a:r>
+              <a:rPr dirty="0" err="1"/>
+              <a:t>която</a:t>
+            </a:r>
+            <a:r>
+              <a:rPr dirty="0"/>
+              <a:t> </a:t>
+            </a:r>
+            <a:r>
+              <a:rPr dirty="0" err="1"/>
+              <a:t>не</a:t>
+            </a:r>
+            <a:r>
+              <a:rPr dirty="0"/>
+              <a:t> </a:t>
+            </a:r>
+            <a:r>
+              <a:rPr dirty="0" err="1"/>
+              <a:t>връща</a:t>
+            </a:r>
+            <a:r>
+              <a:rPr dirty="0"/>
+              <a:t> </a:t>
+            </a:r>
+            <a:r>
+              <a:rPr dirty="0" err="1"/>
+              <a:t>стойност</a:t>
+            </a:r>
+            <a:r>
+              <a:rPr dirty="0"/>
+              <a:t>. В </a:t>
+            </a:r>
+            <a:r>
+              <a:rPr dirty="0" err="1"/>
+              <a:t>този</a:t>
+            </a:r>
+            <a:r>
+              <a:rPr dirty="0"/>
+              <a:t> </a:t>
+            </a:r>
+            <a:r>
+              <a:rPr dirty="0" err="1"/>
+              <a:t>случай</a:t>
+            </a:r>
+            <a:r>
+              <a:rPr dirty="0"/>
+              <a:t> </a:t>
+            </a:r>
+            <a:r>
+              <a:rPr dirty="0" err="1"/>
+              <a:t>се</a:t>
+            </a:r>
+            <a:r>
+              <a:rPr dirty="0"/>
+              <a:t> </a:t>
+            </a:r>
+            <a:r>
+              <a:rPr dirty="0" err="1"/>
+              <a:t>използва</a:t>
+            </a:r>
+            <a:r>
+              <a:rPr dirty="0"/>
+              <a:t> </a:t>
+            </a:r>
+            <a:r>
+              <a:rPr dirty="0" err="1"/>
+              <a:t>правилото</a:t>
+            </a:r>
+            <a:r>
+              <a:rPr dirty="0"/>
+              <a:t>, </a:t>
+            </a:r>
+            <a:r>
+              <a:rPr dirty="0" err="1"/>
+              <a:t>че</a:t>
+            </a:r>
+            <a:r>
+              <a:rPr dirty="0"/>
+              <a:t> </a:t>
+            </a:r>
+            <a:r>
+              <a:rPr dirty="0" err="1"/>
+              <a:t>всяка</a:t>
+            </a:r>
+            <a:r>
+              <a:rPr dirty="0"/>
+              <a:t> </a:t>
+            </a:r>
+            <a:r>
+              <a:rPr dirty="0" err="1"/>
+              <a:t>функция</a:t>
+            </a:r>
+            <a:r>
+              <a:rPr dirty="0"/>
+              <a:t> </a:t>
+            </a:r>
+            <a:r>
+              <a:rPr dirty="0" err="1"/>
+              <a:t>връща</a:t>
+            </a:r>
+            <a:r>
+              <a:rPr dirty="0"/>
+              <a:t> </a:t>
+            </a:r>
+            <a:r>
+              <a:rPr dirty="0" err="1"/>
+              <a:t>стойност</a:t>
+            </a:r>
+            <a:r>
+              <a:rPr dirty="0"/>
+              <a:t> </a:t>
+            </a:r>
+            <a:r>
+              <a:rPr dirty="0" err="1"/>
+              <a:t>дори</a:t>
+            </a:r>
+            <a:r>
+              <a:rPr dirty="0"/>
+              <a:t> </a:t>
+            </a:r>
+            <a:r>
+              <a:rPr dirty="0" err="1"/>
+              <a:t>да</a:t>
+            </a:r>
+            <a:r>
+              <a:rPr dirty="0"/>
+              <a:t> </a:t>
+            </a:r>
+            <a:r>
+              <a:rPr dirty="0" err="1"/>
+              <a:t>няма</a:t>
+            </a:r>
+            <a:r>
+              <a:rPr dirty="0"/>
+              <a:t> </a:t>
+            </a:r>
+            <a:r>
+              <a:rPr dirty="0" err="1"/>
+              <a:t>явно</a:t>
+            </a:r>
+            <a:r>
+              <a:rPr dirty="0"/>
+              <a:t> </a:t>
+            </a:r>
+            <a:r>
+              <a:rPr dirty="0" err="1"/>
+              <a:t>написан</a:t>
+            </a:r>
+            <a:r>
+              <a:rPr dirty="0"/>
+              <a:t> </a:t>
+            </a:r>
+            <a:r>
+              <a:rPr dirty="0" err="1"/>
+              <a:t>оператор</a:t>
+            </a:r>
+            <a:r>
+              <a:rPr dirty="0"/>
+              <a:t> return. </a:t>
+            </a:r>
+            <a:r>
+              <a:rPr dirty="0" err="1"/>
+              <a:t>Когато</a:t>
+            </a:r>
+            <a:r>
+              <a:rPr dirty="0"/>
+              <a:t> </a:t>
+            </a:r>
+            <a:r>
+              <a:rPr dirty="0" err="1"/>
+              <a:t>този</a:t>
+            </a:r>
+            <a:r>
+              <a:rPr dirty="0"/>
+              <a:t> </a:t>
+            </a:r>
+            <a:r>
+              <a:rPr dirty="0" err="1"/>
+              <a:t>факт</a:t>
+            </a:r>
+            <a:r>
+              <a:rPr dirty="0"/>
+              <a:t> е </a:t>
+            </a:r>
+            <a:r>
+              <a:rPr dirty="0" err="1"/>
+              <a:t>налице</a:t>
+            </a:r>
+            <a:r>
+              <a:rPr dirty="0"/>
+              <a:t> </a:t>
+            </a:r>
+            <a:r>
+              <a:rPr dirty="0" err="1"/>
+              <a:t>се</a:t>
+            </a:r>
+            <a:r>
+              <a:rPr dirty="0"/>
+              <a:t> </a:t>
+            </a:r>
+            <a:r>
+              <a:rPr dirty="0" err="1"/>
+              <a:t>връща</a:t>
+            </a:r>
+            <a:r>
+              <a:rPr dirty="0"/>
+              <a:t> None (</a:t>
+            </a:r>
+            <a:r>
+              <a:rPr dirty="0" err="1"/>
+              <a:t>вградено</a:t>
+            </a:r>
+            <a:r>
+              <a:rPr dirty="0"/>
+              <a:t> </a:t>
+            </a:r>
+            <a:r>
+              <a:rPr dirty="0" err="1"/>
+              <a:t>име</a:t>
+            </a:r>
+            <a:r>
+              <a:rPr dirty="0"/>
+              <a:t>). </a:t>
+            </a:r>
+            <a:r>
+              <a:rPr dirty="0" err="1"/>
+              <a:t>Интерпретаторът</a:t>
+            </a:r>
+            <a:r>
+              <a:rPr dirty="0"/>
+              <a:t> </a:t>
+            </a:r>
+            <a:r>
+              <a:rPr dirty="0" err="1"/>
+              <a:t>не</a:t>
+            </a:r>
+            <a:r>
+              <a:rPr dirty="0"/>
+              <a:t> </a:t>
+            </a:r>
+            <a:r>
+              <a:rPr dirty="0" err="1"/>
+              <a:t>разпечатва</a:t>
+            </a:r>
+            <a:r>
+              <a:rPr dirty="0"/>
+              <a:t> </a:t>
+            </a:r>
+            <a:r>
+              <a:rPr dirty="0" err="1"/>
+              <a:t>тази</a:t>
+            </a:r>
+            <a:r>
+              <a:rPr dirty="0"/>
+              <a:t> </a:t>
+            </a:r>
+            <a:r>
+              <a:rPr dirty="0" err="1"/>
+              <a:t>стойност</a:t>
+            </a:r>
+            <a:r>
+              <a:rPr dirty="0"/>
+              <a:t>, </a:t>
+            </a:r>
+            <a:r>
+              <a:rPr dirty="0" err="1"/>
+              <a:t>но</a:t>
+            </a:r>
+            <a:r>
+              <a:rPr dirty="0"/>
+              <a:t> </a:t>
+            </a:r>
+            <a:r>
+              <a:rPr dirty="0" err="1"/>
+              <a:t>ако</a:t>
+            </a:r>
+            <a:r>
+              <a:rPr dirty="0"/>
+              <a:t> </a:t>
+            </a:r>
+            <a:r>
+              <a:rPr dirty="0" err="1"/>
+              <a:t>тя</a:t>
+            </a:r>
+            <a:r>
+              <a:rPr dirty="0"/>
+              <a:t> </a:t>
+            </a:r>
+            <a:r>
+              <a:rPr dirty="0" err="1"/>
+              <a:t>се</a:t>
+            </a:r>
+            <a:r>
+              <a:rPr dirty="0"/>
+              <a:t> </a:t>
+            </a:r>
+            <a:r>
+              <a:rPr dirty="0" err="1"/>
+              <a:t>използва</a:t>
+            </a:r>
+            <a:r>
+              <a:rPr dirty="0"/>
+              <a:t> в print(), </a:t>
+            </a:r>
+            <a:r>
+              <a:rPr dirty="0" err="1"/>
+              <a:t>може</a:t>
+            </a:r>
+            <a:r>
+              <a:rPr dirty="0"/>
+              <a:t> </a:t>
+            </a:r>
+            <a:r>
+              <a:rPr dirty="0" err="1"/>
+              <a:t>да</a:t>
+            </a:r>
+            <a:r>
+              <a:rPr dirty="0"/>
+              <a:t> </a:t>
+            </a:r>
+            <a:r>
+              <a:rPr dirty="0" err="1"/>
+              <a:t>се</a:t>
+            </a:r>
+            <a:r>
+              <a:rPr dirty="0"/>
+              <a:t> </a:t>
+            </a:r>
+            <a:r>
+              <a:rPr dirty="0" err="1"/>
+              <a:t>види</a:t>
+            </a:r>
+            <a:r>
+              <a:rPr dirty="0"/>
+              <a:t> </a:t>
+            </a:r>
+            <a:r>
+              <a:rPr dirty="0" err="1"/>
+              <a:t>на</a:t>
+            </a:r>
+            <a:r>
+              <a:rPr dirty="0"/>
+              <a:t> </a:t>
+            </a:r>
+            <a:r>
+              <a:rPr dirty="0" err="1"/>
+              <a:t>екрана</a:t>
+            </a:r>
+            <a:r>
+              <a:rPr dirty="0"/>
+              <a:t>:</a:t>
             </a:r>
           </a:p>
           <a:p>
@@ -8122,7 +11179,7 @@
               </a:spcBef>
               <a:defRPr sz="3276"/>
             </a:pPr>
-            <a:endParaRPr/>
+            <a:endParaRPr dirty="0"/>
           </a:p>
         </p:txBody>
       </p:sp>
@@ -8142,7 +11199,7 @@
         </p:blipFill>
         <p:spPr>
           <a:xfrm>
-            <a:off x="4368800" y="6997700"/>
+            <a:off x="4328459" y="7480300"/>
             <a:ext cx="4572000" cy="1828800"/>
           </a:xfrm>
           <a:prstGeom prst="rect">
@@ -8476,14 +11533,187 @@
           <a:lstStyle/>
           <a:p>
             <a:r>
-              <a:t>Една от най-полезните възможности е задаване на стойнос по подразбиране на един или повече аргументи. Това позволява извикване на функция с по-малко аргументи. Пример:</a:t>
-            </a:r>
-          </a:p>
-          <a:p>
-            <a:endParaRPr/>
-          </a:p>
-          <a:p>
-            <a:endParaRPr/>
+              <a:rPr dirty="0" err="1"/>
+              <a:t>Една</a:t>
+            </a:r>
+            <a:r>
+              <a:rPr dirty="0"/>
+              <a:t> </a:t>
+            </a:r>
+            <a:r>
+              <a:rPr dirty="0" err="1"/>
+              <a:t>от</a:t>
+            </a:r>
+            <a:r>
+              <a:rPr dirty="0"/>
+              <a:t> </a:t>
+            </a:r>
+            <a:r>
+              <a:rPr dirty="0" err="1"/>
+              <a:t>най-полезните</a:t>
+            </a:r>
+            <a:r>
+              <a:rPr dirty="0"/>
+              <a:t> </a:t>
+            </a:r>
+            <a:r>
+              <a:rPr dirty="0" err="1"/>
+              <a:t>възможности</a:t>
+            </a:r>
+            <a:r>
+              <a:rPr dirty="0"/>
+              <a:t> е </a:t>
+            </a:r>
+            <a:r>
+              <a:rPr dirty="0" err="1"/>
+              <a:t>задаване</a:t>
+            </a:r>
+            <a:r>
+              <a:rPr dirty="0"/>
+              <a:t> </a:t>
+            </a:r>
+            <a:r>
+              <a:rPr dirty="0" err="1"/>
+              <a:t>на</a:t>
+            </a:r>
+            <a:r>
+              <a:rPr dirty="0"/>
+              <a:t> </a:t>
+            </a:r>
+            <a:r>
+              <a:rPr dirty="0" err="1"/>
+              <a:t>стойнос</a:t>
+            </a:r>
+            <a:r>
+              <a:rPr dirty="0"/>
+              <a:t> </a:t>
+            </a:r>
+            <a:r>
+              <a:rPr dirty="0" err="1"/>
+              <a:t>по</a:t>
+            </a:r>
+            <a:r>
+              <a:rPr dirty="0"/>
+              <a:t> </a:t>
+            </a:r>
+            <a:r>
+              <a:rPr dirty="0" err="1"/>
+              <a:t>подразбиране</a:t>
+            </a:r>
+            <a:r>
+              <a:rPr dirty="0"/>
+              <a:t> </a:t>
+            </a:r>
+            <a:r>
+              <a:rPr dirty="0" err="1"/>
+              <a:t>на</a:t>
+            </a:r>
+            <a:r>
+              <a:rPr dirty="0"/>
+              <a:t> </a:t>
+            </a:r>
+            <a:r>
+              <a:rPr dirty="0" err="1"/>
+              <a:t>един</a:t>
+            </a:r>
+            <a:r>
+              <a:rPr dirty="0"/>
+              <a:t> </a:t>
+            </a:r>
+            <a:r>
+              <a:rPr dirty="0" err="1"/>
+              <a:t>или</a:t>
+            </a:r>
+            <a:r>
+              <a:rPr dirty="0"/>
+              <a:t> </a:t>
+            </a:r>
+            <a:r>
+              <a:rPr dirty="0" err="1"/>
+              <a:t>повече</a:t>
+            </a:r>
+            <a:r>
+              <a:rPr dirty="0"/>
+              <a:t> </a:t>
+            </a:r>
+            <a:r>
+              <a:rPr dirty="0" err="1"/>
+              <a:t>аргументи</a:t>
+            </a:r>
+            <a:r>
+              <a:rPr dirty="0"/>
+              <a:t>. </a:t>
+            </a:r>
+            <a:r>
+              <a:rPr dirty="0" err="1"/>
+              <a:t>Това</a:t>
+            </a:r>
+            <a:r>
+              <a:rPr dirty="0"/>
+              <a:t> </a:t>
+            </a:r>
+            <a:r>
+              <a:rPr dirty="0" err="1"/>
+              <a:t>позволява</a:t>
+            </a:r>
+            <a:r>
+              <a:rPr dirty="0"/>
+              <a:t> </a:t>
+            </a:r>
+            <a:r>
+              <a:rPr dirty="0" err="1"/>
+              <a:t>извикване</a:t>
+            </a:r>
+            <a:r>
+              <a:rPr dirty="0"/>
+              <a:t> </a:t>
+            </a:r>
+            <a:r>
+              <a:rPr dirty="0" err="1"/>
+              <a:t>на</a:t>
+            </a:r>
+            <a:r>
+              <a:rPr dirty="0"/>
+              <a:t> </a:t>
+            </a:r>
+            <a:r>
+              <a:rPr dirty="0" err="1"/>
+              <a:t>функция</a:t>
+            </a:r>
+            <a:r>
+              <a:rPr dirty="0"/>
+              <a:t> с </a:t>
+            </a:r>
+            <a:r>
+              <a:rPr dirty="0" err="1"/>
+              <a:t>по-малко</a:t>
+            </a:r>
+            <a:r>
+              <a:rPr dirty="0"/>
+              <a:t> </a:t>
+            </a:r>
+            <a:r>
+              <a:rPr dirty="0" err="1"/>
+              <a:t>аргументи</a:t>
+            </a:r>
+            <a:r>
+              <a:rPr dirty="0"/>
+              <a:t>. </a:t>
+            </a:r>
+            <a:r>
+              <a:rPr dirty="0" err="1"/>
+              <a:t>Пример</a:t>
+            </a:r>
+            <a:r>
+              <a:rPr dirty="0"/>
+              <a:t>:</a:t>
+            </a:r>
+          </a:p>
+          <a:p>
+            <a:endParaRPr dirty="0"/>
+          </a:p>
+          <a:p>
+            <a:endParaRPr dirty="0"/>
           </a:p>
         </p:txBody>
       </p:sp>
@@ -8503,7 +11733,7 @@
         </p:blipFill>
         <p:spPr>
           <a:xfrm>
-            <a:off x="1858451" y="5582960"/>
+            <a:off x="1821875" y="5851184"/>
             <a:ext cx="10003349" cy="3788355"/>
           </a:xfrm>
           <a:prstGeom prst="rect">
